--- a/Eigen_Seminar_slide.pptx
+++ b/Eigen_Seminar_slide.pptx
@@ -3393,12 +3393,61 @@
             <p:ph type="ctrTitle"/>
           </p:nvPr>
         </p:nvSpPr>
-        <p:spPr/>
-        <p:txBody>
-          <a:bodyPr/>
-          <a:lstStyle/>
-          <a:p>
-            <a:endParaRPr kumimoji="1" lang="ja-JP" altLang="en-US"/>
+        <p:spPr>
+          <a:xfrm>
+            <a:off x="0" y="2130425"/>
+            <a:ext cx="9144000" cy="1470025"/>
+          </a:xfrm>
+        </p:spPr>
+        <p:txBody>
+          <a:bodyPr/>
+          <a:lstStyle/>
+          <a:p>
+            <a:r>
+              <a:rPr lang="en-US" altLang="ja-JP" dirty="0" smtClean="0">
+                <a:latin typeface="Noto Sans CJK JP DemiLight"/>
+                <a:cs typeface="Noto Sans CJK JP DemiLight"/>
+              </a:rPr>
+              <a:t>C++</a:t>
+            </a:r>
+            <a:r>
+              <a:rPr lang="ja-JP" altLang="en-US" dirty="0" smtClean="0">
+                <a:latin typeface="Noto Sans CJK JP DemiLight"/>
+                <a:cs typeface="Noto Sans CJK JP DemiLight"/>
+              </a:rPr>
+              <a:t>線形代数ライブラリ</a:t>
+            </a:r>
+            <a:r>
+              <a:rPr lang="en-US" altLang="ja-JP" dirty="0" smtClean="0">
+                <a:latin typeface="Noto Sans CJK JP DemiLight"/>
+                <a:cs typeface="Noto Sans CJK JP DemiLight"/>
+              </a:rPr>
+              <a:t/>
+            </a:r>
+            <a:br>
+              <a:rPr lang="en-US" altLang="ja-JP" dirty="0" smtClean="0">
+                <a:latin typeface="Noto Sans CJK JP DemiLight"/>
+                <a:cs typeface="Noto Sans CJK JP DemiLight"/>
+              </a:rPr>
+            </a:br>
+            <a:r>
+              <a:rPr lang="en-US" altLang="ja-JP" dirty="0" smtClean="0">
+                <a:latin typeface="Noto Sans CJK JP DemiLight"/>
+                <a:cs typeface="Noto Sans CJK JP DemiLight"/>
+              </a:rPr>
+              <a:t>Eigen</a:t>
+            </a:r>
+            <a:r>
+              <a:rPr lang="ja-JP" altLang="en-US" dirty="0" smtClean="0">
+                <a:latin typeface="Noto Sans CJK JP DemiLight"/>
+                <a:cs typeface="Noto Sans CJK JP DemiLight"/>
+              </a:rPr>
+              <a:t>入門</a:t>
+            </a:r>
+            <a:endParaRPr kumimoji="1" lang="ja-JP" altLang="en-US" dirty="0">
+              <a:latin typeface="Noto Sans CJK JP DemiLight"/>
+              <a:cs typeface="Noto Sans CJK JP DemiLight"/>
+            </a:endParaRPr>
           </a:p>
         </p:txBody>
       </p:sp>

--- a/Eigen_Seminar_slide.pptx
+++ b/Eigen_Seminar_slide.pptx
@@ -5,10 +5,10 @@
     <p:sldMasterId id="2147483783" r:id="rId1"/>
   </p:sldMasterIdLst>
   <p:notesMasterIdLst>
-    <p:notesMasterId r:id="rId32"/>
+    <p:notesMasterId r:id="rId34"/>
   </p:notesMasterIdLst>
   <p:handoutMasterIdLst>
-    <p:handoutMasterId r:id="rId33"/>
+    <p:handoutMasterId r:id="rId35"/>
   </p:handoutMasterIdLst>
   <p:sldIdLst>
     <p:sldId id="257" r:id="rId2"/>
@@ -39,8 +39,10 @@
     <p:sldId id="284" r:id="rId27"/>
     <p:sldId id="285" r:id="rId28"/>
     <p:sldId id="286" r:id="rId29"/>
-    <p:sldId id="287" r:id="rId30"/>
-    <p:sldId id="288" r:id="rId31"/>
+    <p:sldId id="291" r:id="rId30"/>
+    <p:sldId id="287" r:id="rId31"/>
+    <p:sldId id="288" r:id="rId32"/>
+    <p:sldId id="292" r:id="rId33"/>
   </p:sldIdLst>
   <p:sldSz cx="9144000" cy="6858000" type="screen4x3"/>
   <p:notesSz cx="6858000" cy="9144000"/>
@@ -224,7 +226,7 @@
           <a:p>
             <a:fld id="{4BA03708-A75F-D74F-B8BE-E6A57239B758}" type="datetimeFigureOut">
               <a:rPr kumimoji="1" lang="ja-JP" altLang="en-US" smtClean="0"/>
-              <a:t>15/11/03</a:t>
+              <a:t>15/11/04</a:t>
             </a:fld>
             <a:endParaRPr kumimoji="1" lang="ja-JP" altLang="en-US"/>
           </a:p>
@@ -390,7 +392,7 @@
           <a:p>
             <a:fld id="{EDAA7580-7ED2-5A41-9370-C2135D7485F7}" type="datetimeFigureOut">
               <a:rPr kumimoji="1" lang="ja-JP" altLang="en-US" smtClean="0"/>
-              <a:t>15/11/03</a:t>
+              <a:t>15/11/04</a:t>
             </a:fld>
             <a:endParaRPr kumimoji="1" lang="ja-JP" altLang="en-US"/>
           </a:p>
@@ -2455,6 +2457,90 @@
 </p:notes>
 </file>
 
+<file path=ppt/notesSlides/notesSlide29.xml><?xml version="1.0" encoding="utf-8"?>
+<p:notes xmlns:a="http://schemas.openxmlformats.org/drawingml/2006/main" xmlns:r="http://schemas.openxmlformats.org/officeDocument/2006/relationships" xmlns:p="http://schemas.openxmlformats.org/presentationml/2006/main">
+  <p:cSld>
+    <p:spTree>
+      <p:nvGrpSpPr>
+        <p:cNvPr id="1" name=""/>
+        <p:cNvGrpSpPr/>
+        <p:nvPr/>
+      </p:nvGrpSpPr>
+      <p:grpSpPr>
+        <a:xfrm>
+          <a:off x="0" y="0"/>
+          <a:ext cx="0" cy="0"/>
+          <a:chOff x="0" y="0"/>
+          <a:chExt cx="0" cy="0"/>
+        </a:xfrm>
+      </p:grpSpPr>
+      <p:sp>
+        <p:nvSpPr>
+          <p:cNvPr id="2" name="スライド イメージ プレースホルダー 1"/>
+          <p:cNvSpPr>
+            <a:spLocks noGrp="1" noRot="1" noChangeAspect="1"/>
+          </p:cNvSpPr>
+          <p:nvPr>
+            <p:ph type="sldImg"/>
+          </p:nvPr>
+        </p:nvSpPr>
+        <p:spPr/>
+      </p:sp>
+      <p:sp>
+        <p:nvSpPr>
+          <p:cNvPr id="3" name="ノート プレースホルダー 2"/>
+          <p:cNvSpPr>
+            <a:spLocks noGrp="1"/>
+          </p:cNvSpPr>
+          <p:nvPr>
+            <p:ph type="body" idx="1"/>
+          </p:nvPr>
+        </p:nvSpPr>
+        <p:spPr/>
+        <p:txBody>
+          <a:bodyPr/>
+          <a:lstStyle/>
+          <a:p>
+            <a:endParaRPr kumimoji="1" lang="ja-JP" altLang="en-US" dirty="0"/>
+          </a:p>
+        </p:txBody>
+      </p:sp>
+      <p:sp>
+        <p:nvSpPr>
+          <p:cNvPr id="4" name="スライド番号プレースホルダー 3"/>
+          <p:cNvSpPr>
+            <a:spLocks noGrp="1"/>
+          </p:cNvSpPr>
+          <p:nvPr>
+            <p:ph type="sldNum" sz="quarter" idx="10"/>
+          </p:nvPr>
+        </p:nvSpPr>
+        <p:spPr/>
+        <p:txBody>
+          <a:bodyPr/>
+          <a:lstStyle/>
+          <a:p>
+            <a:fld id="{26D4125A-DE7B-5B49-95C6-0AD9895721A4}" type="slidenum">
+              <a:rPr kumimoji="1" lang="ja-JP" altLang="en-US" smtClean="0"/>
+              <a:t>31</a:t>
+            </a:fld>
+            <a:endParaRPr kumimoji="1" lang="ja-JP" altLang="en-US"/>
+          </a:p>
+        </p:txBody>
+      </p:sp>
+    </p:spTree>
+    <p:extLst>
+      <p:ext uri="{BB962C8B-B14F-4D97-AF65-F5344CB8AC3E}">
+        <p14:creationId xmlns:p14="http://schemas.microsoft.com/office/powerpoint/2010/main" val="608031549"/>
+      </p:ext>
+    </p:extLst>
+  </p:cSld>
+  <p:clrMapOvr>
+    <a:masterClrMapping/>
+  </p:clrMapOvr>
+</p:notes>
+</file>
+
 <file path=ppt/notesSlides/notesSlide3.xml><?xml version="1.0" encoding="utf-8"?>
 <p:notes xmlns:a="http://schemas.openxmlformats.org/drawingml/2006/main" xmlns:r="http://schemas.openxmlformats.org/officeDocument/2006/relationships" xmlns:p="http://schemas.openxmlformats.org/presentationml/2006/main">
   <p:cSld>
@@ -2521,6 +2607,90 @@
             <a:fld id="{26D4125A-DE7B-5B49-95C6-0AD9895721A4}" type="slidenum">
               <a:rPr kumimoji="1" lang="ja-JP" altLang="en-US" smtClean="0"/>
               <a:t>4</a:t>
+            </a:fld>
+            <a:endParaRPr kumimoji="1" lang="ja-JP" altLang="en-US"/>
+          </a:p>
+        </p:txBody>
+      </p:sp>
+    </p:spTree>
+    <p:extLst>
+      <p:ext uri="{BB962C8B-B14F-4D97-AF65-F5344CB8AC3E}">
+        <p14:creationId xmlns:p14="http://schemas.microsoft.com/office/powerpoint/2010/main" val="608031549"/>
+      </p:ext>
+    </p:extLst>
+  </p:cSld>
+  <p:clrMapOvr>
+    <a:masterClrMapping/>
+  </p:clrMapOvr>
+</p:notes>
+</file>
+
+<file path=ppt/notesSlides/notesSlide30.xml><?xml version="1.0" encoding="utf-8"?>
+<p:notes xmlns:a="http://schemas.openxmlformats.org/drawingml/2006/main" xmlns:r="http://schemas.openxmlformats.org/officeDocument/2006/relationships" xmlns:p="http://schemas.openxmlformats.org/presentationml/2006/main">
+  <p:cSld>
+    <p:spTree>
+      <p:nvGrpSpPr>
+        <p:cNvPr id="1" name=""/>
+        <p:cNvGrpSpPr/>
+        <p:nvPr/>
+      </p:nvGrpSpPr>
+      <p:grpSpPr>
+        <a:xfrm>
+          <a:off x="0" y="0"/>
+          <a:ext cx="0" cy="0"/>
+          <a:chOff x="0" y="0"/>
+          <a:chExt cx="0" cy="0"/>
+        </a:xfrm>
+      </p:grpSpPr>
+      <p:sp>
+        <p:nvSpPr>
+          <p:cNvPr id="2" name="スライド イメージ プレースホルダー 1"/>
+          <p:cNvSpPr>
+            <a:spLocks noGrp="1" noRot="1" noChangeAspect="1"/>
+          </p:cNvSpPr>
+          <p:nvPr>
+            <p:ph type="sldImg"/>
+          </p:nvPr>
+        </p:nvSpPr>
+        <p:spPr/>
+      </p:sp>
+      <p:sp>
+        <p:nvSpPr>
+          <p:cNvPr id="3" name="ノート プレースホルダー 2"/>
+          <p:cNvSpPr>
+            <a:spLocks noGrp="1"/>
+          </p:cNvSpPr>
+          <p:nvPr>
+            <p:ph type="body" idx="1"/>
+          </p:nvPr>
+        </p:nvSpPr>
+        <p:spPr/>
+        <p:txBody>
+          <a:bodyPr/>
+          <a:lstStyle/>
+          <a:p>
+            <a:endParaRPr kumimoji="1" lang="ja-JP" altLang="en-US" dirty="0"/>
+          </a:p>
+        </p:txBody>
+      </p:sp>
+      <p:sp>
+        <p:nvSpPr>
+          <p:cNvPr id="4" name="スライド番号プレースホルダー 3"/>
+          <p:cNvSpPr>
+            <a:spLocks noGrp="1"/>
+          </p:cNvSpPr>
+          <p:nvPr>
+            <p:ph type="sldNum" sz="quarter" idx="10"/>
+          </p:nvPr>
+        </p:nvSpPr>
+        <p:spPr/>
+        <p:txBody>
+          <a:bodyPr/>
+          <a:lstStyle/>
+          <a:p>
+            <a:fld id="{26D4125A-DE7B-5B49-95C6-0AD9895721A4}" type="slidenum">
+              <a:rPr kumimoji="1" lang="ja-JP" altLang="en-US" smtClean="0"/>
+              <a:t>32</a:t>
             </a:fld>
             <a:endParaRPr kumimoji="1" lang="ja-JP" altLang="en-US"/>
           </a:p>
@@ -8690,21 +8860,8 @@
                           <a:ea typeface="メイリオ"/>
                           <a:cs typeface="メイリオ"/>
                         </a:rPr>
-                        <a:t>行列</a:t>
+                        <a:t>行列成分</a:t>
                       </a:r>
-                      <a:r>
-                        <a:rPr kumimoji="1" lang="ja-JP" altLang="en-US" sz="3600" dirty="0" smtClean="0">
-                          <a:latin typeface="メイリオ"/>
-                          <a:ea typeface="メイリオ"/>
-                          <a:cs typeface="メイリオ"/>
-                        </a:rPr>
-                        <a:t>成分</a:t>
-                      </a:r>
-                      <a:endParaRPr kumimoji="1" lang="ja-JP" altLang="en-US" sz="3600" dirty="0" smtClean="0">
-                        <a:latin typeface="メイリオ"/>
-                        <a:ea typeface="メイリオ"/>
-                        <a:cs typeface="メイリオ"/>
-                      </a:endParaRPr>
                     </a:p>
                   </a:txBody>
                   <a:tcPr anchor="ctr"/>
@@ -8764,11 +8921,6 @@
                         </a:rPr>
                         <a:t>メモリ確保</a:t>
                       </a:r>
-                      <a:endParaRPr kumimoji="1" lang="ja-JP" altLang="en-US" sz="3600" dirty="0" smtClean="0">
-                        <a:latin typeface="メイリオ"/>
-                        <a:ea typeface="メイリオ"/>
-                        <a:cs typeface="メイリオ"/>
-                      </a:endParaRPr>
                     </a:p>
                   </a:txBody>
                   <a:tcPr anchor="ctr"/>
@@ -8828,11 +8980,6 @@
                         </a:rPr>
                         <a:t>線形代数</a:t>
                       </a:r>
-                      <a:endParaRPr kumimoji="1" lang="ja-JP" altLang="en-US" sz="3600" dirty="0" smtClean="0">
-                        <a:latin typeface="メイリオ"/>
-                        <a:ea typeface="メイリオ"/>
-                        <a:cs typeface="メイリオ"/>
-                      </a:endParaRPr>
                     </a:p>
                   </a:txBody>
                   <a:tcPr anchor="ctr"/>
@@ -8947,11 +9094,6 @@
                         </a:rPr>
                         <a:t>幾何学</a:t>
                       </a:r>
-                      <a:endParaRPr kumimoji="1" lang="ja-JP" altLang="en-US" sz="3600" dirty="0" smtClean="0">
-                        <a:latin typeface="メイリオ"/>
-                        <a:ea typeface="メイリオ"/>
-                        <a:cs typeface="メイリオ"/>
-                      </a:endParaRPr>
                     </a:p>
                   </a:txBody>
                   <a:tcPr anchor="ctr"/>
@@ -9042,11 +9184,6 @@
                         </a:rPr>
                         <a:t>その他</a:t>
                       </a:r>
-                      <a:endParaRPr kumimoji="1" lang="ja-JP" altLang="en-US" sz="3600" dirty="0" smtClean="0">
-                        <a:latin typeface="メイリオ"/>
-                        <a:ea typeface="メイリオ"/>
-                        <a:cs typeface="メイリオ"/>
-                      </a:endParaRPr>
                     </a:p>
                   </a:txBody>
                   <a:tcPr anchor="ctr"/>
@@ -10792,11 +10929,6 @@
               </a:rPr>
               <a:t>Matrix3d m, n;    </a:t>
             </a:r>
-            <a:endParaRPr lang="en-US" altLang="ja-JP" sz="3600" dirty="0" smtClean="0">
-              <a:latin typeface="メイリオ"/>
-              <a:ea typeface="メイリオ"/>
-              <a:cs typeface="メイリオ"/>
-            </a:endParaRPr>
           </a:p>
           <a:p>
             <a:pPr>
@@ -11374,11 +11506,6 @@
               </a:rPr>
               <a:t>Matrix3f m, n;    </a:t>
             </a:r>
-            <a:endParaRPr lang="en-US" altLang="ja-JP" sz="3600" dirty="0" smtClean="0">
-              <a:latin typeface="メイリオ"/>
-              <a:ea typeface="メイリオ"/>
-              <a:cs typeface="メイリオ"/>
-            </a:endParaRPr>
           </a:p>
           <a:p>
             <a:pPr>
@@ -12589,15 +12716,7 @@
                 <a:ea typeface="メイリオ"/>
                 <a:cs typeface="メイリオ"/>
               </a:rPr>
-              <a:t>密行列</a:t>
-            </a:r>
-            <a:r>
-              <a:rPr lang="ja-JP" altLang="en-US" sz="3600" dirty="0" smtClean="0">
-                <a:latin typeface="メイリオ"/>
-                <a:ea typeface="メイリオ"/>
-                <a:cs typeface="メイリオ"/>
-              </a:rPr>
-              <a:t>用</a:t>
+              <a:t>密行列用</a:t>
             </a:r>
             <a:endParaRPr lang="en-US" altLang="ja-JP" sz="3600" dirty="0" smtClean="0">
               <a:latin typeface="メイリオ"/>
@@ -12641,15 +12760,7 @@
                 <a:ea typeface="メイリオ"/>
                 <a:cs typeface="メイリオ"/>
               </a:rPr>
-              <a:t>疎行列</a:t>
-            </a:r>
-            <a:r>
-              <a:rPr lang="ja-JP" altLang="en-US" sz="3600" dirty="0" smtClean="0">
-                <a:latin typeface="メイリオ"/>
-                <a:ea typeface="メイリオ"/>
-                <a:cs typeface="メイリオ"/>
-              </a:rPr>
-              <a:t>用</a:t>
+              <a:t>疎行列用</a:t>
             </a:r>
             <a:endParaRPr lang="en-US" altLang="ja-JP" sz="3600" dirty="0" smtClean="0">
               <a:latin typeface="メイリオ"/>
@@ -13670,15 +13781,7 @@
                 <a:ea typeface="メイリオ"/>
                 <a:cs typeface="メイリオ"/>
               </a:rPr>
-              <a:t>3</a:t>
-            </a:r>
-            <a:r>
-              <a:rPr lang="en-US" altLang="ja-JP" sz="5400" dirty="0" smtClean="0">
-                <a:latin typeface="メイリオ"/>
-                <a:ea typeface="メイリオ"/>
-                <a:cs typeface="メイリオ"/>
-              </a:rPr>
-              <a:t>,</a:t>
+              <a:t>3,</a:t>
             </a:r>
             <a:r>
               <a:rPr lang="ja-JP" altLang="en-US" sz="5400" dirty="0" smtClean="0">
@@ -14337,18 +14440,7 @@
                   <a:ea typeface="メイリオ"/>
                   <a:cs typeface="メイリオ"/>
                 </a:rPr>
-                <a:t>3</a:t>
-              </a:r>
-              <a:r>
-                <a:rPr kumimoji="1" lang="en-US" altLang="ja-JP" sz="3600" dirty="0" smtClean="0">
-                  <a:solidFill>
-                    <a:schemeClr val="accent1"/>
-                  </a:solidFill>
-                  <a:latin typeface="メイリオ"/>
-                  <a:ea typeface="メイリオ"/>
-                  <a:cs typeface="メイリオ"/>
-                </a:rPr>
-                <a:t>×3</a:t>
+                <a:t>3×3</a:t>
               </a:r>
               <a:endParaRPr kumimoji="1" lang="ja-JP" altLang="en-US" sz="3600" dirty="0">
                 <a:solidFill>
@@ -17050,7 +17142,7 @@
         <p:spPr>
           <a:xfrm>
             <a:off x="454526" y="93577"/>
-            <a:ext cx="4157579" cy="1310104"/>
+            <a:ext cx="6082632" cy="1310104"/>
           </a:xfrm>
           <a:prstGeom prst="rect">
             <a:avLst/>
@@ -17146,7 +17238,31 @@
                 <a:ea typeface="メイリオ"/>
                 <a:cs typeface="メイリオ"/>
               </a:rPr>
-              <a:t>ソルバの使い方</a:t>
+              <a:t>ソルバ</a:t>
+            </a:r>
+            <a:r>
+              <a:rPr lang="ja-JP" altLang="en-US" sz="3600" dirty="0" smtClean="0">
+                <a:latin typeface="メイリオ"/>
+                <a:ea typeface="メイリオ"/>
+                <a:cs typeface="メイリオ"/>
+              </a:rPr>
+              <a:t>の</a:t>
+            </a:r>
+            <a:r>
+              <a:rPr lang="ja-JP" altLang="en-US" sz="3600" dirty="0" smtClean="0">
+                <a:latin typeface="メイリオ"/>
+                <a:ea typeface="メイリオ"/>
+                <a:cs typeface="メイリオ"/>
+              </a:rPr>
+              <a:t>使い方</a:t>
+            </a:r>
+            <a:r>
+              <a:rPr lang="en-US" altLang="ja-JP" sz="3600" dirty="0" smtClean="0">
+                <a:latin typeface="メイリオ"/>
+                <a:ea typeface="メイリオ"/>
+                <a:cs typeface="メイリオ"/>
+              </a:rPr>
+              <a:t>①</a:t>
             </a:r>
             <a:endParaRPr lang="ja-JP" altLang="en-US" sz="3600" dirty="0">
               <a:latin typeface="メイリオ"/>
@@ -17316,542 +17432,6 @@
       </p:sp>
       <p:sp>
         <p:nvSpPr>
-          <p:cNvPr id="4" name="タイトル 1"/>
-          <p:cNvSpPr txBox="1">
-            <a:spLocks/>
-          </p:cNvSpPr>
-          <p:nvPr/>
-        </p:nvSpPr>
-        <p:spPr>
-          <a:xfrm>
-            <a:off x="454526" y="5026527"/>
-            <a:ext cx="8475579" cy="868947"/>
-          </a:xfrm>
-          <a:prstGeom prst="rect">
-            <a:avLst/>
-          </a:prstGeom>
-        </p:spPr>
-        <p:txBody>
-          <a:bodyPr vert="horz" lIns="91440" tIns="45720" rIns="91440" bIns="45720" rtlCol="0" anchor="ctr">
-            <a:normAutofit/>
-          </a:bodyPr>
-          <a:lstStyle>
-            <a:lvl1pPr algn="l" defTabSz="914400" rtl="0" eaLnBrk="1" latinLnBrk="0" hangingPunct="1">
-              <a:spcBef>
-                <a:spcPct val="0"/>
-              </a:spcBef>
-              <a:buNone/>
-              <a:defRPr kumimoji="1" sz="4900" kern="1200">
-                <a:solidFill>
-                  <a:schemeClr val="tx1"/>
-                </a:solidFill>
-                <a:effectLst>
-                  <a:outerShdw blurRad="38100" dist="38100" dir="2700000" algn="tl">
-                    <a:srgbClr val="000000">
-                      <a:alpha val="43137"/>
-                    </a:srgbClr>
-                  </a:outerShdw>
-                </a:effectLst>
-                <a:latin typeface="+mj-lt"/>
-                <a:ea typeface="+mj-ea"/>
-                <a:cs typeface="+mj-cs"/>
-              </a:defRPr>
-            </a:lvl1pPr>
-            <a:lvl2pPr eaLnBrk="1" hangingPunct="1">
-              <a:defRPr kumimoji="1">
-                <a:solidFill>
-                  <a:schemeClr val="tx2"/>
-                </a:solidFill>
-              </a:defRPr>
-            </a:lvl2pPr>
-            <a:lvl3pPr eaLnBrk="1" hangingPunct="1">
-              <a:defRPr kumimoji="1">
-                <a:solidFill>
-                  <a:schemeClr val="tx2"/>
-                </a:solidFill>
-              </a:defRPr>
-            </a:lvl3pPr>
-            <a:lvl4pPr eaLnBrk="1" hangingPunct="1">
-              <a:defRPr kumimoji="1">
-                <a:solidFill>
-                  <a:schemeClr val="tx2"/>
-                </a:solidFill>
-              </a:defRPr>
-            </a:lvl4pPr>
-            <a:lvl5pPr eaLnBrk="1" hangingPunct="1">
-              <a:defRPr kumimoji="1">
-                <a:solidFill>
-                  <a:schemeClr val="tx2"/>
-                </a:solidFill>
-              </a:defRPr>
-            </a:lvl5pPr>
-            <a:lvl6pPr eaLnBrk="1" hangingPunct="1">
-              <a:defRPr kumimoji="1">
-                <a:solidFill>
-                  <a:schemeClr val="tx2"/>
-                </a:solidFill>
-              </a:defRPr>
-            </a:lvl6pPr>
-            <a:lvl7pPr eaLnBrk="1" hangingPunct="1">
-              <a:defRPr kumimoji="1">
-                <a:solidFill>
-                  <a:schemeClr val="tx2"/>
-                </a:solidFill>
-              </a:defRPr>
-            </a:lvl7pPr>
-            <a:lvl8pPr eaLnBrk="1" hangingPunct="1">
-              <a:defRPr kumimoji="1">
-                <a:solidFill>
-                  <a:schemeClr val="tx2"/>
-                </a:solidFill>
-              </a:defRPr>
-            </a:lvl8pPr>
-            <a:lvl9pPr eaLnBrk="1" hangingPunct="1">
-              <a:defRPr kumimoji="1">
-                <a:solidFill>
-                  <a:schemeClr val="tx2"/>
-                </a:solidFill>
-              </a:defRPr>
-            </a:lvl9pPr>
-          </a:lstStyle>
-          <a:p>
-            <a:pPr algn="ctr">
-              <a:lnSpc>
-                <a:spcPct val="120000"/>
-              </a:lnSpc>
-            </a:pPr>
-            <a:r>
-              <a:rPr lang="en-US" altLang="ja-JP" sz="3600" dirty="0" err="1" smtClean="0">
-                <a:latin typeface="メイリオ"/>
-                <a:ea typeface="メイリオ"/>
-                <a:cs typeface="メイリオ"/>
-              </a:rPr>
-              <a:t>m.eigenSolver</a:t>
-            </a:r>
-            <a:r>
-              <a:rPr lang="en-US" altLang="ja-JP" sz="3600" dirty="0" smtClean="0">
-                <a:latin typeface="メイリオ"/>
-                <a:ea typeface="メイリオ"/>
-                <a:cs typeface="メイリオ"/>
-              </a:rPr>
-              <a:t>().eigenvalues()</a:t>
-            </a:r>
-            <a:endParaRPr lang="en-US" altLang="ja-JP" sz="3600" dirty="0">
-              <a:latin typeface="メイリオ"/>
-              <a:ea typeface="メイリオ"/>
-              <a:cs typeface="メイリオ"/>
-            </a:endParaRPr>
-          </a:p>
-        </p:txBody>
-      </p:sp>
-      <p:sp>
-        <p:nvSpPr>
-          <p:cNvPr id="5" name="タイトル 1"/>
-          <p:cNvSpPr txBox="1">
-            <a:spLocks/>
-          </p:cNvSpPr>
-          <p:nvPr/>
-        </p:nvSpPr>
-        <p:spPr>
-          <a:xfrm>
-            <a:off x="454526" y="3539960"/>
-            <a:ext cx="8475579" cy="868947"/>
-          </a:xfrm>
-          <a:prstGeom prst="rect">
-            <a:avLst/>
-          </a:prstGeom>
-        </p:spPr>
-        <p:txBody>
-          <a:bodyPr vert="horz" lIns="91440" tIns="45720" rIns="91440" bIns="45720" rtlCol="0" anchor="ctr">
-            <a:normAutofit/>
-          </a:bodyPr>
-          <a:lstStyle>
-            <a:lvl1pPr algn="l" defTabSz="914400" rtl="0" eaLnBrk="1" latinLnBrk="0" hangingPunct="1">
-              <a:spcBef>
-                <a:spcPct val="0"/>
-              </a:spcBef>
-              <a:buNone/>
-              <a:defRPr kumimoji="1" sz="4900" kern="1200">
-                <a:solidFill>
-                  <a:schemeClr val="tx1"/>
-                </a:solidFill>
-                <a:effectLst>
-                  <a:outerShdw blurRad="38100" dist="38100" dir="2700000" algn="tl">
-                    <a:srgbClr val="000000">
-                      <a:alpha val="43137"/>
-                    </a:srgbClr>
-                  </a:outerShdw>
-                </a:effectLst>
-                <a:latin typeface="+mj-lt"/>
-                <a:ea typeface="+mj-ea"/>
-                <a:cs typeface="+mj-cs"/>
-              </a:defRPr>
-            </a:lvl1pPr>
-            <a:lvl2pPr eaLnBrk="1" hangingPunct="1">
-              <a:defRPr kumimoji="1">
-                <a:solidFill>
-                  <a:schemeClr val="tx2"/>
-                </a:solidFill>
-              </a:defRPr>
-            </a:lvl2pPr>
-            <a:lvl3pPr eaLnBrk="1" hangingPunct="1">
-              <a:defRPr kumimoji="1">
-                <a:solidFill>
-                  <a:schemeClr val="tx2"/>
-                </a:solidFill>
-              </a:defRPr>
-            </a:lvl3pPr>
-            <a:lvl4pPr eaLnBrk="1" hangingPunct="1">
-              <a:defRPr kumimoji="1">
-                <a:solidFill>
-                  <a:schemeClr val="tx2"/>
-                </a:solidFill>
-              </a:defRPr>
-            </a:lvl4pPr>
-            <a:lvl5pPr eaLnBrk="1" hangingPunct="1">
-              <a:defRPr kumimoji="1">
-                <a:solidFill>
-                  <a:schemeClr val="tx2"/>
-                </a:solidFill>
-              </a:defRPr>
-            </a:lvl5pPr>
-            <a:lvl6pPr eaLnBrk="1" hangingPunct="1">
-              <a:defRPr kumimoji="1">
-                <a:solidFill>
-                  <a:schemeClr val="tx2"/>
-                </a:solidFill>
-              </a:defRPr>
-            </a:lvl6pPr>
-            <a:lvl7pPr eaLnBrk="1" hangingPunct="1">
-              <a:defRPr kumimoji="1">
-                <a:solidFill>
-                  <a:schemeClr val="tx2"/>
-                </a:solidFill>
-              </a:defRPr>
-            </a:lvl7pPr>
-            <a:lvl8pPr eaLnBrk="1" hangingPunct="1">
-              <a:defRPr kumimoji="1">
-                <a:solidFill>
-                  <a:schemeClr val="tx2"/>
-                </a:solidFill>
-              </a:defRPr>
-            </a:lvl8pPr>
-            <a:lvl9pPr eaLnBrk="1" hangingPunct="1">
-              <a:defRPr kumimoji="1">
-                <a:solidFill>
-                  <a:schemeClr val="tx2"/>
-                </a:solidFill>
-              </a:defRPr>
-            </a:lvl9pPr>
-          </a:lstStyle>
-          <a:p>
-            <a:pPr algn="ctr">
-              <a:lnSpc>
-                <a:spcPct val="120000"/>
-              </a:lnSpc>
-            </a:pPr>
-            <a:r>
-              <a:rPr lang="en-US" altLang="ja-JP" sz="3600" dirty="0" err="1" smtClean="0">
-                <a:latin typeface="メイリオ"/>
-                <a:ea typeface="メイリオ"/>
-                <a:cs typeface="メイリオ"/>
-              </a:rPr>
-              <a:t>m.householderQR</a:t>
-            </a:r>
-            <a:r>
-              <a:rPr lang="en-US" altLang="ja-JP" sz="3600" dirty="0" smtClean="0">
-                <a:latin typeface="メイリオ"/>
-                <a:ea typeface="メイリオ"/>
-                <a:cs typeface="メイリオ"/>
-              </a:rPr>
-              <a:t>().solve(b)</a:t>
-            </a:r>
-            <a:endParaRPr lang="en-US" altLang="ja-JP" sz="3600" dirty="0">
-              <a:latin typeface="メイリオ"/>
-              <a:ea typeface="メイリオ"/>
-              <a:cs typeface="メイリオ"/>
-            </a:endParaRPr>
-          </a:p>
-        </p:txBody>
-      </p:sp>
-      <p:cxnSp>
-        <p:nvCxnSpPr>
-          <p:cNvPr id="7" name="直線矢印コネクタ 6"/>
-          <p:cNvCxnSpPr/>
-          <p:nvPr/>
-        </p:nvCxnSpPr>
-        <p:spPr>
-          <a:xfrm flipV="1">
-            <a:off x="3662947" y="4264526"/>
-            <a:ext cx="387685" cy="414421"/>
-          </a:xfrm>
-          <a:prstGeom prst="straightConnector1">
-            <a:avLst/>
-          </a:prstGeom>
-          <a:ln w="57150" cmpd="sng">
-            <a:solidFill>
-              <a:schemeClr val="accent1"/>
-            </a:solidFill>
-            <a:tailEnd type="arrow"/>
-          </a:ln>
-        </p:spPr>
-        <p:style>
-          <a:lnRef idx="2">
-            <a:schemeClr val="accent1"/>
-          </a:lnRef>
-          <a:fillRef idx="0">
-            <a:schemeClr val="accent1"/>
-          </a:fillRef>
-          <a:effectRef idx="1">
-            <a:schemeClr val="accent1"/>
-          </a:effectRef>
-          <a:fontRef idx="minor">
-            <a:schemeClr val="tx1"/>
-          </a:fontRef>
-        </p:style>
-      </p:cxnSp>
-      <p:sp>
-        <p:nvSpPr>
-          <p:cNvPr id="8" name="テキスト ボックス 7"/>
-          <p:cNvSpPr txBox="1"/>
-          <p:nvPr/>
-        </p:nvSpPr>
-        <p:spPr>
-          <a:xfrm>
-            <a:off x="761990" y="4564673"/>
-            <a:ext cx="3048000" cy="584776"/>
-          </a:xfrm>
-          <a:prstGeom prst="rect">
-            <a:avLst/>
-          </a:prstGeom>
-          <a:noFill/>
-        </p:spPr>
-        <p:txBody>
-          <a:bodyPr wrap="square" rtlCol="0">
-            <a:spAutoFit/>
-          </a:bodyPr>
-          <a:lstStyle/>
-          <a:p>
-            <a:r>
-              <a:rPr lang="ja-JP" altLang="en-US" sz="3200" dirty="0" smtClean="0">
-                <a:solidFill>
-                  <a:schemeClr val="accent1"/>
-                </a:solidFill>
-                <a:latin typeface="メイリオ"/>
-                <a:ea typeface="メイリオ"/>
-                <a:cs typeface="メイリオ"/>
-              </a:rPr>
-              <a:t>ソルバメソッド</a:t>
-            </a:r>
-            <a:endParaRPr kumimoji="1" lang="en-US" altLang="ja-JP" sz="3200" dirty="0" smtClean="0">
-              <a:solidFill>
-                <a:schemeClr val="accent1"/>
-              </a:solidFill>
-              <a:latin typeface="メイリオ"/>
-              <a:ea typeface="メイリオ"/>
-              <a:cs typeface="メイリオ"/>
-            </a:endParaRPr>
-          </a:p>
-        </p:txBody>
-      </p:sp>
-      <p:cxnSp>
-        <p:nvCxnSpPr>
-          <p:cNvPr id="10" name="直線矢印コネクタ 9"/>
-          <p:cNvCxnSpPr/>
-          <p:nvPr/>
-        </p:nvCxnSpPr>
-        <p:spPr>
-          <a:xfrm flipH="1">
-            <a:off x="6537158" y="3539960"/>
-            <a:ext cx="467895" cy="251652"/>
-          </a:xfrm>
-          <a:prstGeom prst="straightConnector1">
-            <a:avLst/>
-          </a:prstGeom>
-          <a:ln w="57150" cmpd="sng">
-            <a:solidFill>
-              <a:schemeClr val="accent1"/>
-            </a:solidFill>
-            <a:tailEnd type="arrow"/>
-          </a:ln>
-        </p:spPr>
-        <p:style>
-          <a:lnRef idx="2">
-            <a:schemeClr val="accent1"/>
-          </a:lnRef>
-          <a:fillRef idx="0">
-            <a:schemeClr val="accent1"/>
-          </a:fillRef>
-          <a:effectRef idx="1">
-            <a:schemeClr val="accent1"/>
-          </a:effectRef>
-          <a:fontRef idx="minor">
-            <a:schemeClr val="tx1"/>
-          </a:fontRef>
-        </p:style>
-      </p:cxnSp>
-      <p:sp>
-        <p:nvSpPr>
-          <p:cNvPr id="14" name="テキスト ボックス 13"/>
-          <p:cNvSpPr txBox="1"/>
-          <p:nvPr/>
-        </p:nvSpPr>
-        <p:spPr>
-          <a:xfrm>
-            <a:off x="5721685" y="3019977"/>
-            <a:ext cx="3048000" cy="584776"/>
-          </a:xfrm>
-          <a:prstGeom prst="rect">
-            <a:avLst/>
-          </a:prstGeom>
-          <a:noFill/>
-        </p:spPr>
-        <p:txBody>
-          <a:bodyPr wrap="square" rtlCol="0">
-            <a:spAutoFit/>
-          </a:bodyPr>
-          <a:lstStyle/>
-          <a:p>
-            <a:r>
-              <a:rPr lang="ja-JP" altLang="en-US" sz="3200" dirty="0" smtClean="0">
-                <a:solidFill>
-                  <a:schemeClr val="accent1"/>
-                </a:solidFill>
-                <a:latin typeface="メイリオ"/>
-                <a:ea typeface="メイリオ"/>
-                <a:cs typeface="メイリオ"/>
-              </a:rPr>
-              <a:t>線形方程式の解</a:t>
-            </a:r>
-            <a:endParaRPr kumimoji="1" lang="en-US" altLang="ja-JP" sz="3200" dirty="0" smtClean="0">
-              <a:solidFill>
-                <a:schemeClr val="accent1"/>
-              </a:solidFill>
-              <a:latin typeface="メイリオ"/>
-              <a:ea typeface="メイリオ"/>
-              <a:cs typeface="メイリオ"/>
-            </a:endParaRPr>
-          </a:p>
-        </p:txBody>
-      </p:sp>
-      <p:cxnSp>
-        <p:nvCxnSpPr>
-          <p:cNvPr id="20" name="直線矢印コネクタ 19"/>
-          <p:cNvCxnSpPr/>
-          <p:nvPr/>
-        </p:nvCxnSpPr>
-        <p:spPr>
-          <a:xfrm>
-            <a:off x="3662947" y="5026527"/>
-            <a:ext cx="540085" cy="320841"/>
-          </a:xfrm>
-          <a:prstGeom prst="straightConnector1">
-            <a:avLst/>
-          </a:prstGeom>
-          <a:ln w="57150" cmpd="sng">
-            <a:solidFill>
-              <a:schemeClr val="accent1"/>
-            </a:solidFill>
-            <a:tailEnd type="arrow"/>
-          </a:ln>
-        </p:spPr>
-        <p:style>
-          <a:lnRef idx="2">
-            <a:schemeClr val="accent1"/>
-          </a:lnRef>
-          <a:fillRef idx="0">
-            <a:schemeClr val="accent1"/>
-          </a:fillRef>
-          <a:effectRef idx="1">
-            <a:schemeClr val="accent1"/>
-          </a:effectRef>
-          <a:fontRef idx="minor">
-            <a:schemeClr val="tx1"/>
-          </a:fontRef>
-        </p:style>
-      </p:cxnSp>
-      <p:cxnSp>
-        <p:nvCxnSpPr>
-          <p:cNvPr id="23" name="直線矢印コネクタ 22"/>
-          <p:cNvCxnSpPr/>
-          <p:nvPr/>
-        </p:nvCxnSpPr>
-        <p:spPr>
-          <a:xfrm flipH="1">
-            <a:off x="6323264" y="5068349"/>
-            <a:ext cx="366294" cy="279019"/>
-          </a:xfrm>
-          <a:prstGeom prst="straightConnector1">
-            <a:avLst/>
-          </a:prstGeom>
-          <a:ln w="57150" cmpd="sng">
-            <a:solidFill>
-              <a:schemeClr val="accent1"/>
-            </a:solidFill>
-            <a:tailEnd type="arrow"/>
-          </a:ln>
-        </p:spPr>
-        <p:style>
-          <a:lnRef idx="2">
-            <a:schemeClr val="accent1"/>
-          </a:lnRef>
-          <a:fillRef idx="0">
-            <a:schemeClr val="accent1"/>
-          </a:fillRef>
-          <a:effectRef idx="1">
-            <a:schemeClr val="accent1"/>
-          </a:effectRef>
-          <a:fontRef idx="minor">
-            <a:schemeClr val="tx1"/>
-          </a:fontRef>
-        </p:style>
-      </p:cxnSp>
-      <p:sp>
-        <p:nvSpPr>
-          <p:cNvPr id="25" name="テキスト ボックス 24"/>
-          <p:cNvSpPr txBox="1"/>
-          <p:nvPr/>
-        </p:nvSpPr>
-        <p:spPr>
-          <a:xfrm>
-            <a:off x="6021133" y="4483573"/>
-            <a:ext cx="2735178" cy="584776"/>
-          </a:xfrm>
-          <a:prstGeom prst="rect">
-            <a:avLst/>
-          </a:prstGeom>
-          <a:noFill/>
-        </p:spPr>
-        <p:txBody>
-          <a:bodyPr wrap="square" rtlCol="0">
-            <a:spAutoFit/>
-          </a:bodyPr>
-          <a:lstStyle/>
-          <a:p>
-            <a:r>
-              <a:rPr lang="ja-JP" altLang="en-US" sz="3200" dirty="0" smtClean="0">
-                <a:solidFill>
-                  <a:schemeClr val="accent1"/>
-                </a:solidFill>
-                <a:latin typeface="メイリオ"/>
-                <a:ea typeface="メイリオ"/>
-                <a:cs typeface="メイリオ"/>
-              </a:rPr>
-              <a:t>固有値を返す</a:t>
-            </a:r>
-            <a:endParaRPr lang="en-US" altLang="ja-JP" sz="3200" dirty="0" smtClean="0">
-              <a:solidFill>
-                <a:schemeClr val="accent1"/>
-              </a:solidFill>
-              <a:latin typeface="メイリオ"/>
-              <a:ea typeface="メイリオ"/>
-              <a:cs typeface="メイリオ"/>
-            </a:endParaRPr>
-          </a:p>
-        </p:txBody>
-      </p:sp>
-      <p:sp>
-        <p:nvSpPr>
           <p:cNvPr id="37" name="スライド番号プレースホルダー 36"/>
           <p:cNvSpPr>
             <a:spLocks noGrp="1"/>
@@ -17873,6 +17453,399 @@
           </a:p>
         </p:txBody>
       </p:sp>
+      <p:grpSp>
+        <p:nvGrpSpPr>
+          <p:cNvPr id="15" name="図形グループ 14"/>
+          <p:cNvGrpSpPr/>
+          <p:nvPr/>
+        </p:nvGrpSpPr>
+        <p:grpSpPr>
+          <a:xfrm>
+            <a:off x="454526" y="3421017"/>
+            <a:ext cx="8475579" cy="2243746"/>
+            <a:chOff x="454526" y="3421017"/>
+            <a:chExt cx="8475579" cy="2243746"/>
+          </a:xfrm>
+        </p:grpSpPr>
+        <p:sp>
+          <p:nvSpPr>
+            <p:cNvPr id="5" name="タイトル 1"/>
+            <p:cNvSpPr txBox="1">
+              <a:spLocks/>
+            </p:cNvSpPr>
+            <p:nvPr/>
+          </p:nvSpPr>
+          <p:spPr>
+            <a:xfrm>
+              <a:off x="454526" y="3941000"/>
+              <a:ext cx="8475579" cy="868947"/>
+            </a:xfrm>
+            <a:prstGeom prst="rect">
+              <a:avLst/>
+            </a:prstGeom>
+          </p:spPr>
+          <p:txBody>
+            <a:bodyPr vert="horz" lIns="91440" tIns="45720" rIns="91440" bIns="45720" rtlCol="0" anchor="ctr">
+              <a:normAutofit/>
+            </a:bodyPr>
+            <a:lstStyle>
+              <a:lvl1pPr algn="l" defTabSz="914400" rtl="0" eaLnBrk="1" latinLnBrk="0" hangingPunct="1">
+                <a:spcBef>
+                  <a:spcPct val="0"/>
+                </a:spcBef>
+                <a:buNone/>
+                <a:defRPr kumimoji="1" sz="4900" kern="1200">
+                  <a:solidFill>
+                    <a:schemeClr val="tx1"/>
+                  </a:solidFill>
+                  <a:effectLst>
+                    <a:outerShdw blurRad="38100" dist="38100" dir="2700000" algn="tl">
+                      <a:srgbClr val="000000">
+                        <a:alpha val="43137"/>
+                      </a:srgbClr>
+                    </a:outerShdw>
+                  </a:effectLst>
+                  <a:latin typeface="+mj-lt"/>
+                  <a:ea typeface="+mj-ea"/>
+                  <a:cs typeface="+mj-cs"/>
+                </a:defRPr>
+              </a:lvl1pPr>
+              <a:lvl2pPr eaLnBrk="1" hangingPunct="1">
+                <a:defRPr kumimoji="1">
+                  <a:solidFill>
+                    <a:schemeClr val="tx2"/>
+                  </a:solidFill>
+                </a:defRPr>
+              </a:lvl2pPr>
+              <a:lvl3pPr eaLnBrk="1" hangingPunct="1">
+                <a:defRPr kumimoji="1">
+                  <a:solidFill>
+                    <a:schemeClr val="tx2"/>
+                  </a:solidFill>
+                </a:defRPr>
+              </a:lvl3pPr>
+              <a:lvl4pPr eaLnBrk="1" hangingPunct="1">
+                <a:defRPr kumimoji="1">
+                  <a:solidFill>
+                    <a:schemeClr val="tx2"/>
+                  </a:solidFill>
+                </a:defRPr>
+              </a:lvl4pPr>
+              <a:lvl5pPr eaLnBrk="1" hangingPunct="1">
+                <a:defRPr kumimoji="1">
+                  <a:solidFill>
+                    <a:schemeClr val="tx2"/>
+                  </a:solidFill>
+                </a:defRPr>
+              </a:lvl5pPr>
+              <a:lvl6pPr eaLnBrk="1" hangingPunct="1">
+                <a:defRPr kumimoji="1">
+                  <a:solidFill>
+                    <a:schemeClr val="tx2"/>
+                  </a:solidFill>
+                </a:defRPr>
+              </a:lvl6pPr>
+              <a:lvl7pPr eaLnBrk="1" hangingPunct="1">
+                <a:defRPr kumimoji="1">
+                  <a:solidFill>
+                    <a:schemeClr val="tx2"/>
+                  </a:solidFill>
+                </a:defRPr>
+              </a:lvl7pPr>
+              <a:lvl8pPr eaLnBrk="1" hangingPunct="1">
+                <a:defRPr kumimoji="1">
+                  <a:solidFill>
+                    <a:schemeClr val="tx2"/>
+                  </a:solidFill>
+                </a:defRPr>
+              </a:lvl8pPr>
+              <a:lvl9pPr eaLnBrk="1" hangingPunct="1">
+                <a:defRPr kumimoji="1">
+                  <a:solidFill>
+                    <a:schemeClr val="tx2"/>
+                  </a:solidFill>
+                </a:defRPr>
+              </a:lvl9pPr>
+            </a:lstStyle>
+            <a:p>
+              <a:pPr algn="ctr">
+                <a:lnSpc>
+                  <a:spcPct val="120000"/>
+                </a:lnSpc>
+              </a:pPr>
+              <a:r>
+                <a:rPr lang="en-US" altLang="ja-JP" sz="3600" dirty="0" err="1" smtClean="0">
+                  <a:latin typeface="メイリオ"/>
+                  <a:ea typeface="メイリオ"/>
+                  <a:cs typeface="メイリオ"/>
+                </a:rPr>
+                <a:t>m.householderQr</a:t>
+              </a:r>
+              <a:r>
+                <a:rPr lang="en-US" altLang="ja-JP" sz="3600" dirty="0" smtClean="0">
+                  <a:latin typeface="メイリオ"/>
+                  <a:ea typeface="メイリオ"/>
+                  <a:cs typeface="メイリオ"/>
+                </a:rPr>
+                <a:t>(</a:t>
+              </a:r>
+              <a:r>
+                <a:rPr lang="en-US" altLang="ja-JP" sz="3600" dirty="0" smtClean="0">
+                  <a:latin typeface="メイリオ"/>
+                  <a:ea typeface="メイリオ"/>
+                  <a:cs typeface="メイリオ"/>
+                </a:rPr>
+                <a:t>).solve(b)</a:t>
+              </a:r>
+              <a:endParaRPr lang="en-US" altLang="ja-JP" sz="3600" dirty="0">
+                <a:latin typeface="メイリオ"/>
+                <a:ea typeface="メイリオ"/>
+                <a:cs typeface="メイリオ"/>
+              </a:endParaRPr>
+            </a:p>
+          </p:txBody>
+        </p:sp>
+        <p:cxnSp>
+          <p:nvCxnSpPr>
+            <p:cNvPr id="7" name="直線矢印コネクタ 6"/>
+            <p:cNvCxnSpPr/>
+            <p:nvPr/>
+          </p:nvCxnSpPr>
+          <p:spPr>
+            <a:xfrm flipV="1">
+              <a:off x="3662947" y="4665566"/>
+              <a:ext cx="387685" cy="414421"/>
+            </a:xfrm>
+            <a:prstGeom prst="straightConnector1">
+              <a:avLst/>
+            </a:prstGeom>
+            <a:ln w="57150" cmpd="sng">
+              <a:solidFill>
+                <a:schemeClr val="accent1"/>
+              </a:solidFill>
+              <a:tailEnd type="arrow"/>
+            </a:ln>
+          </p:spPr>
+          <p:style>
+            <a:lnRef idx="2">
+              <a:schemeClr val="accent1"/>
+            </a:lnRef>
+            <a:fillRef idx="0">
+              <a:schemeClr val="accent1"/>
+            </a:fillRef>
+            <a:effectRef idx="1">
+              <a:schemeClr val="accent1"/>
+            </a:effectRef>
+            <a:fontRef idx="minor">
+              <a:schemeClr val="tx1"/>
+            </a:fontRef>
+          </p:style>
+        </p:cxnSp>
+        <p:sp>
+          <p:nvSpPr>
+            <p:cNvPr id="8" name="テキスト ボックス 7"/>
+            <p:cNvSpPr txBox="1"/>
+            <p:nvPr/>
+          </p:nvSpPr>
+          <p:spPr>
+            <a:xfrm>
+              <a:off x="761990" y="4965713"/>
+              <a:ext cx="3048000" cy="584776"/>
+            </a:xfrm>
+            <a:prstGeom prst="rect">
+              <a:avLst/>
+            </a:prstGeom>
+            <a:noFill/>
+          </p:spPr>
+          <p:txBody>
+            <a:bodyPr wrap="square" rtlCol="0">
+              <a:spAutoFit/>
+            </a:bodyPr>
+            <a:lstStyle/>
+            <a:p>
+              <a:r>
+                <a:rPr lang="ja-JP" altLang="en-US" sz="3200" dirty="0" smtClean="0">
+                  <a:solidFill>
+                    <a:schemeClr val="accent1"/>
+                  </a:solidFill>
+                  <a:latin typeface="メイリオ"/>
+                  <a:ea typeface="メイリオ"/>
+                  <a:cs typeface="メイリオ"/>
+                </a:rPr>
+                <a:t>ソルバメソッド</a:t>
+              </a:r>
+              <a:endParaRPr kumimoji="1" lang="en-US" altLang="ja-JP" sz="3200" dirty="0" smtClean="0">
+                <a:solidFill>
+                  <a:schemeClr val="accent1"/>
+                </a:solidFill>
+                <a:latin typeface="メイリオ"/>
+                <a:ea typeface="メイリオ"/>
+                <a:cs typeface="メイリオ"/>
+              </a:endParaRPr>
+            </a:p>
+          </p:txBody>
+        </p:sp>
+        <p:cxnSp>
+          <p:nvCxnSpPr>
+            <p:cNvPr id="10" name="直線矢印コネクタ 9"/>
+            <p:cNvCxnSpPr/>
+            <p:nvPr/>
+          </p:nvCxnSpPr>
+          <p:spPr>
+            <a:xfrm flipH="1">
+              <a:off x="6537158" y="3941000"/>
+              <a:ext cx="467895" cy="251652"/>
+            </a:xfrm>
+            <a:prstGeom prst="straightConnector1">
+              <a:avLst/>
+            </a:prstGeom>
+            <a:ln w="57150" cmpd="sng">
+              <a:solidFill>
+                <a:schemeClr val="accent1"/>
+              </a:solidFill>
+              <a:tailEnd type="arrow"/>
+            </a:ln>
+          </p:spPr>
+          <p:style>
+            <a:lnRef idx="2">
+              <a:schemeClr val="accent1"/>
+            </a:lnRef>
+            <a:fillRef idx="0">
+              <a:schemeClr val="accent1"/>
+            </a:fillRef>
+            <a:effectRef idx="1">
+              <a:schemeClr val="accent1"/>
+            </a:effectRef>
+            <a:fontRef idx="minor">
+              <a:schemeClr val="tx1"/>
+            </a:fontRef>
+          </p:style>
+        </p:cxnSp>
+        <p:sp>
+          <p:nvSpPr>
+            <p:cNvPr id="14" name="テキスト ボックス 13"/>
+            <p:cNvSpPr txBox="1"/>
+            <p:nvPr/>
+          </p:nvSpPr>
+          <p:spPr>
+            <a:xfrm>
+              <a:off x="5721685" y="3421017"/>
+              <a:ext cx="3048000" cy="584776"/>
+            </a:xfrm>
+            <a:prstGeom prst="rect">
+              <a:avLst/>
+            </a:prstGeom>
+            <a:noFill/>
+          </p:spPr>
+          <p:txBody>
+            <a:bodyPr wrap="square" rtlCol="0">
+              <a:spAutoFit/>
+            </a:bodyPr>
+            <a:lstStyle/>
+            <a:p>
+              <a:r>
+                <a:rPr lang="ja-JP" altLang="en-US" sz="3200" dirty="0" smtClean="0">
+                  <a:solidFill>
+                    <a:schemeClr val="accent1"/>
+                  </a:solidFill>
+                  <a:latin typeface="メイリオ"/>
+                  <a:ea typeface="メイリオ"/>
+                  <a:cs typeface="メイリオ"/>
+                </a:rPr>
+                <a:t>線形方程式の解</a:t>
+              </a:r>
+              <a:endParaRPr kumimoji="1" lang="en-US" altLang="ja-JP" sz="3200" dirty="0" smtClean="0">
+                <a:solidFill>
+                  <a:schemeClr val="accent1"/>
+                </a:solidFill>
+                <a:latin typeface="メイリオ"/>
+                <a:ea typeface="メイリオ"/>
+                <a:cs typeface="メイリオ"/>
+              </a:endParaRPr>
+            </a:p>
+          </p:txBody>
+        </p:sp>
+        <p:cxnSp>
+          <p:nvCxnSpPr>
+            <p:cNvPr id="23" name="直線矢印コネクタ 22"/>
+            <p:cNvCxnSpPr/>
+            <p:nvPr/>
+          </p:nvCxnSpPr>
+          <p:spPr>
+            <a:xfrm flipV="1">
+              <a:off x="7152105" y="4665567"/>
+              <a:ext cx="334211" cy="414420"/>
+            </a:xfrm>
+            <a:prstGeom prst="straightConnector1">
+              <a:avLst/>
+            </a:prstGeom>
+            <a:ln w="57150" cmpd="sng">
+              <a:solidFill>
+                <a:schemeClr val="accent1"/>
+              </a:solidFill>
+              <a:tailEnd type="arrow"/>
+            </a:ln>
+          </p:spPr>
+          <p:style>
+            <a:lnRef idx="2">
+              <a:schemeClr val="accent1"/>
+            </a:lnRef>
+            <a:fillRef idx="0">
+              <a:schemeClr val="accent1"/>
+            </a:fillRef>
+            <a:effectRef idx="1">
+              <a:schemeClr val="accent1"/>
+            </a:effectRef>
+            <a:fontRef idx="minor">
+              <a:schemeClr val="tx1"/>
+            </a:fontRef>
+          </p:style>
+        </p:cxnSp>
+        <p:sp>
+          <p:nvSpPr>
+            <p:cNvPr id="19" name="テキスト ボックス 18"/>
+            <p:cNvSpPr txBox="1"/>
+            <p:nvPr/>
+          </p:nvSpPr>
+          <p:spPr>
+            <a:xfrm>
+              <a:off x="5481053" y="5079987"/>
+              <a:ext cx="2916489" cy="584776"/>
+            </a:xfrm>
+            <a:prstGeom prst="rect">
+              <a:avLst/>
+            </a:prstGeom>
+            <a:noFill/>
+          </p:spPr>
+          <p:txBody>
+            <a:bodyPr wrap="square" rtlCol="0">
+              <a:spAutoFit/>
+            </a:bodyPr>
+            <a:lstStyle/>
+            <a:p>
+              <a:r>
+                <a:rPr lang="ja-JP" altLang="en-US" sz="3200" dirty="0" smtClean="0">
+                  <a:solidFill>
+                    <a:schemeClr val="accent1"/>
+                  </a:solidFill>
+                  <a:latin typeface="メイリオ"/>
+                  <a:ea typeface="メイリオ"/>
+                  <a:cs typeface="メイリオ"/>
+                </a:rPr>
+                <a:t>右辺ベクトル</a:t>
+              </a:r>
+              <a:endParaRPr kumimoji="1" lang="en-US" altLang="ja-JP" sz="3200" dirty="0" smtClean="0">
+                <a:solidFill>
+                  <a:schemeClr val="accent1"/>
+                </a:solidFill>
+                <a:latin typeface="メイリオ"/>
+                <a:ea typeface="メイリオ"/>
+                <a:cs typeface="メイリオ"/>
+              </a:endParaRPr>
+            </a:p>
+          </p:txBody>
+        </p:sp>
+      </p:grpSp>
     </p:spTree>
     <p:extLst>
       <p:ext uri="{BB962C8B-B14F-4D97-AF65-F5344CB8AC3E}">
@@ -17894,6 +17867,1137 @@
 </file>
 
 <file path=ppt/slides/slide29.xml><?xml version="1.0" encoding="utf-8"?>
+<p:sld xmlns:a="http://schemas.openxmlformats.org/drawingml/2006/main" xmlns:r="http://schemas.openxmlformats.org/officeDocument/2006/relationships" xmlns:p="http://schemas.openxmlformats.org/presentationml/2006/main">
+  <p:cSld>
+    <p:spTree>
+      <p:nvGrpSpPr>
+        <p:cNvPr id="1" name=""/>
+        <p:cNvGrpSpPr/>
+        <p:nvPr/>
+      </p:nvGrpSpPr>
+      <p:grpSpPr>
+        <a:xfrm>
+          <a:off x="0" y="0"/>
+          <a:ext cx="0" cy="0"/>
+          <a:chOff x="0" y="0"/>
+          <a:chExt cx="0" cy="0"/>
+        </a:xfrm>
+      </p:grpSpPr>
+      <p:sp>
+        <p:nvSpPr>
+          <p:cNvPr id="6" name="タイトル 1"/>
+          <p:cNvSpPr txBox="1">
+            <a:spLocks/>
+          </p:cNvSpPr>
+          <p:nvPr/>
+        </p:nvSpPr>
+        <p:spPr>
+          <a:xfrm>
+            <a:off x="454526" y="93577"/>
+            <a:ext cx="5721685" cy="1310104"/>
+          </a:xfrm>
+          <a:prstGeom prst="rect">
+            <a:avLst/>
+          </a:prstGeom>
+        </p:spPr>
+        <p:txBody>
+          <a:bodyPr vert="horz" lIns="91440" tIns="45720" rIns="91440" bIns="45720" rtlCol="0" anchor="ctr">
+            <a:normAutofit/>
+          </a:bodyPr>
+          <a:lstStyle>
+            <a:lvl1pPr algn="l" defTabSz="914400" rtl="0" eaLnBrk="1" latinLnBrk="0" hangingPunct="1">
+              <a:spcBef>
+                <a:spcPct val="0"/>
+              </a:spcBef>
+              <a:buNone/>
+              <a:defRPr kumimoji="1" sz="4900" kern="1200">
+                <a:solidFill>
+                  <a:schemeClr val="tx1"/>
+                </a:solidFill>
+                <a:effectLst>
+                  <a:outerShdw blurRad="38100" dist="38100" dir="2700000" algn="tl">
+                    <a:srgbClr val="000000">
+                      <a:alpha val="43137"/>
+                    </a:srgbClr>
+                  </a:outerShdw>
+                </a:effectLst>
+                <a:latin typeface="+mj-lt"/>
+                <a:ea typeface="+mj-ea"/>
+                <a:cs typeface="+mj-cs"/>
+              </a:defRPr>
+            </a:lvl1pPr>
+            <a:lvl2pPr eaLnBrk="1" hangingPunct="1">
+              <a:defRPr kumimoji="1">
+                <a:solidFill>
+                  <a:schemeClr val="tx2"/>
+                </a:solidFill>
+              </a:defRPr>
+            </a:lvl2pPr>
+            <a:lvl3pPr eaLnBrk="1" hangingPunct="1">
+              <a:defRPr kumimoji="1">
+                <a:solidFill>
+                  <a:schemeClr val="tx2"/>
+                </a:solidFill>
+              </a:defRPr>
+            </a:lvl3pPr>
+            <a:lvl4pPr eaLnBrk="1" hangingPunct="1">
+              <a:defRPr kumimoji="1">
+                <a:solidFill>
+                  <a:schemeClr val="tx2"/>
+                </a:solidFill>
+              </a:defRPr>
+            </a:lvl4pPr>
+            <a:lvl5pPr eaLnBrk="1" hangingPunct="1">
+              <a:defRPr kumimoji="1">
+                <a:solidFill>
+                  <a:schemeClr val="tx2"/>
+                </a:solidFill>
+              </a:defRPr>
+            </a:lvl5pPr>
+            <a:lvl6pPr eaLnBrk="1" hangingPunct="1">
+              <a:defRPr kumimoji="1">
+                <a:solidFill>
+                  <a:schemeClr val="tx2"/>
+                </a:solidFill>
+              </a:defRPr>
+            </a:lvl6pPr>
+            <a:lvl7pPr eaLnBrk="1" hangingPunct="1">
+              <a:defRPr kumimoji="1">
+                <a:solidFill>
+                  <a:schemeClr val="tx2"/>
+                </a:solidFill>
+              </a:defRPr>
+            </a:lvl7pPr>
+            <a:lvl8pPr eaLnBrk="1" hangingPunct="1">
+              <a:defRPr kumimoji="1">
+                <a:solidFill>
+                  <a:schemeClr val="tx2"/>
+                </a:solidFill>
+              </a:defRPr>
+            </a:lvl8pPr>
+            <a:lvl9pPr eaLnBrk="1" hangingPunct="1">
+              <a:defRPr kumimoji="1">
+                <a:solidFill>
+                  <a:schemeClr val="tx2"/>
+                </a:solidFill>
+              </a:defRPr>
+            </a:lvl9pPr>
+          </a:lstStyle>
+          <a:p>
+            <a:r>
+              <a:rPr lang="ja-JP" altLang="en-US" sz="3600" dirty="0" smtClean="0">
+                <a:latin typeface="メイリオ"/>
+                <a:ea typeface="メイリオ"/>
+                <a:cs typeface="メイリオ"/>
+              </a:rPr>
+              <a:t>ソルバ</a:t>
+            </a:r>
+            <a:r>
+              <a:rPr lang="ja-JP" altLang="en-US" sz="3600" dirty="0" smtClean="0">
+                <a:latin typeface="メイリオ"/>
+                <a:ea typeface="メイリオ"/>
+                <a:cs typeface="メイリオ"/>
+              </a:rPr>
+              <a:t>の</a:t>
+            </a:r>
+            <a:r>
+              <a:rPr lang="ja-JP" altLang="en-US" sz="3600" dirty="0" smtClean="0">
+                <a:latin typeface="メイリオ"/>
+                <a:ea typeface="メイリオ"/>
+                <a:cs typeface="メイリオ"/>
+              </a:rPr>
+              <a:t>使い方</a:t>
+            </a:r>
+            <a:r>
+              <a:rPr lang="en-US" altLang="ja-JP" sz="3600" dirty="0" smtClean="0">
+                <a:latin typeface="メイリオ"/>
+                <a:ea typeface="メイリオ"/>
+                <a:cs typeface="メイリオ"/>
+              </a:rPr>
+              <a:t>②</a:t>
+            </a:r>
+            <a:endParaRPr lang="ja-JP" altLang="en-US" sz="3600" dirty="0">
+              <a:latin typeface="メイリオ"/>
+              <a:ea typeface="メイリオ"/>
+              <a:cs typeface="メイリオ"/>
+            </a:endParaRPr>
+          </a:p>
+        </p:txBody>
+      </p:sp>
+      <p:sp>
+        <p:nvSpPr>
+          <p:cNvPr id="12" name="タイトル 1"/>
+          <p:cNvSpPr txBox="1">
+            <a:spLocks/>
+          </p:cNvSpPr>
+          <p:nvPr/>
+        </p:nvSpPr>
+        <p:spPr>
+          <a:xfrm>
+            <a:off x="454526" y="1310107"/>
+            <a:ext cx="8475579" cy="1724526"/>
+          </a:xfrm>
+          <a:prstGeom prst="rect">
+            <a:avLst/>
+          </a:prstGeom>
+        </p:spPr>
+        <p:txBody>
+          <a:bodyPr vert="horz" lIns="91440" tIns="45720" rIns="91440" bIns="45720" rtlCol="0" anchor="ctr">
+            <a:normAutofit/>
+          </a:bodyPr>
+          <a:lstStyle>
+            <a:lvl1pPr algn="l" defTabSz="914400" rtl="0" eaLnBrk="1" latinLnBrk="0" hangingPunct="1">
+              <a:spcBef>
+                <a:spcPct val="0"/>
+              </a:spcBef>
+              <a:buNone/>
+              <a:defRPr kumimoji="1" sz="4900" kern="1200">
+                <a:solidFill>
+                  <a:schemeClr val="tx1"/>
+                </a:solidFill>
+                <a:effectLst>
+                  <a:outerShdw blurRad="38100" dist="38100" dir="2700000" algn="tl">
+                    <a:srgbClr val="000000">
+                      <a:alpha val="43137"/>
+                    </a:srgbClr>
+                  </a:outerShdw>
+                </a:effectLst>
+                <a:latin typeface="+mj-lt"/>
+                <a:ea typeface="+mj-ea"/>
+                <a:cs typeface="+mj-cs"/>
+              </a:defRPr>
+            </a:lvl1pPr>
+            <a:lvl2pPr eaLnBrk="1" hangingPunct="1">
+              <a:defRPr kumimoji="1">
+                <a:solidFill>
+                  <a:schemeClr val="tx2"/>
+                </a:solidFill>
+              </a:defRPr>
+            </a:lvl2pPr>
+            <a:lvl3pPr eaLnBrk="1" hangingPunct="1">
+              <a:defRPr kumimoji="1">
+                <a:solidFill>
+                  <a:schemeClr val="tx2"/>
+                </a:solidFill>
+              </a:defRPr>
+            </a:lvl3pPr>
+            <a:lvl4pPr eaLnBrk="1" hangingPunct="1">
+              <a:defRPr kumimoji="1">
+                <a:solidFill>
+                  <a:schemeClr val="tx2"/>
+                </a:solidFill>
+              </a:defRPr>
+            </a:lvl4pPr>
+            <a:lvl5pPr eaLnBrk="1" hangingPunct="1">
+              <a:defRPr kumimoji="1">
+                <a:solidFill>
+                  <a:schemeClr val="tx2"/>
+                </a:solidFill>
+              </a:defRPr>
+            </a:lvl5pPr>
+            <a:lvl6pPr eaLnBrk="1" hangingPunct="1">
+              <a:defRPr kumimoji="1">
+                <a:solidFill>
+                  <a:schemeClr val="tx2"/>
+                </a:solidFill>
+              </a:defRPr>
+            </a:lvl6pPr>
+            <a:lvl7pPr eaLnBrk="1" hangingPunct="1">
+              <a:defRPr kumimoji="1">
+                <a:solidFill>
+                  <a:schemeClr val="tx2"/>
+                </a:solidFill>
+              </a:defRPr>
+            </a:lvl7pPr>
+            <a:lvl8pPr eaLnBrk="1" hangingPunct="1">
+              <a:defRPr kumimoji="1">
+                <a:solidFill>
+                  <a:schemeClr val="tx2"/>
+                </a:solidFill>
+              </a:defRPr>
+            </a:lvl8pPr>
+            <a:lvl9pPr eaLnBrk="1" hangingPunct="1">
+              <a:defRPr kumimoji="1">
+                <a:solidFill>
+                  <a:schemeClr val="tx2"/>
+                </a:solidFill>
+              </a:defRPr>
+            </a:lvl9pPr>
+          </a:lstStyle>
+          <a:p>
+            <a:pPr>
+              <a:lnSpc>
+                <a:spcPct val="120000"/>
+              </a:lnSpc>
+            </a:pPr>
+            <a:r>
+              <a:rPr lang="en-US" altLang="ja-JP" sz="3600" dirty="0" smtClean="0">
+                <a:latin typeface="メイリオ"/>
+                <a:ea typeface="メイリオ"/>
+                <a:cs typeface="メイリオ"/>
+              </a:rPr>
+              <a:t>1,</a:t>
+            </a:r>
+            <a:r>
+              <a:rPr lang="ja-JP" altLang="en-US" sz="3600" dirty="0" smtClean="0">
+                <a:latin typeface="メイリオ"/>
+                <a:ea typeface="メイリオ"/>
+                <a:cs typeface="メイリオ"/>
+              </a:rPr>
+              <a:t>ソルバ</a:t>
+            </a:r>
+            <a:r>
+              <a:rPr lang="ja-JP" altLang="en-US" sz="3600" dirty="0" smtClean="0">
+                <a:latin typeface="メイリオ"/>
+                <a:ea typeface="メイリオ"/>
+                <a:cs typeface="メイリオ"/>
+              </a:rPr>
+              <a:t>変数</a:t>
+            </a:r>
+            <a:r>
+              <a:rPr lang="ja-JP" altLang="en-US" sz="3600" dirty="0" smtClean="0">
+                <a:latin typeface="メイリオ"/>
+                <a:ea typeface="メイリオ"/>
+                <a:cs typeface="メイリオ"/>
+              </a:rPr>
+              <a:t>を作成</a:t>
+            </a:r>
+            <a:endParaRPr lang="en-US" altLang="ja-JP" sz="3600" dirty="0" smtClean="0">
+              <a:latin typeface="メイリオ"/>
+              <a:ea typeface="メイリオ"/>
+              <a:cs typeface="メイリオ"/>
+            </a:endParaRPr>
+          </a:p>
+          <a:p>
+            <a:pPr>
+              <a:lnSpc>
+                <a:spcPct val="120000"/>
+              </a:lnSpc>
+            </a:pPr>
+            <a:r>
+              <a:rPr lang="en-US" altLang="ja-JP" sz="3600" dirty="0" smtClean="0">
+                <a:latin typeface="メイリオ"/>
+                <a:ea typeface="メイリオ"/>
+                <a:cs typeface="メイリオ"/>
+              </a:rPr>
+              <a:t>2,</a:t>
+            </a:r>
+            <a:r>
+              <a:rPr lang="ja-JP" altLang="en-US" sz="3600" dirty="0" smtClean="0">
+                <a:latin typeface="メイリオ"/>
+                <a:ea typeface="メイリオ"/>
+                <a:cs typeface="メイリオ"/>
+              </a:rPr>
+              <a:t>問題の解を返すメソッドを呼ぶ</a:t>
+            </a:r>
+            <a:endParaRPr lang="en-US" altLang="ja-JP" sz="3600" dirty="0">
+              <a:latin typeface="メイリオ"/>
+              <a:ea typeface="メイリオ"/>
+              <a:cs typeface="メイリオ"/>
+            </a:endParaRPr>
+          </a:p>
+        </p:txBody>
+      </p:sp>
+      <p:sp>
+        <p:nvSpPr>
+          <p:cNvPr id="4" name="タイトル 1"/>
+          <p:cNvSpPr txBox="1">
+            <a:spLocks/>
+          </p:cNvSpPr>
+          <p:nvPr/>
+        </p:nvSpPr>
+        <p:spPr>
+          <a:xfrm>
+            <a:off x="1109579" y="4572001"/>
+            <a:ext cx="7820526" cy="1630946"/>
+          </a:xfrm>
+          <a:prstGeom prst="rect">
+            <a:avLst/>
+          </a:prstGeom>
+        </p:spPr>
+        <p:txBody>
+          <a:bodyPr vert="horz" lIns="91440" tIns="45720" rIns="91440" bIns="45720" rtlCol="0" anchor="ctr">
+            <a:normAutofit/>
+          </a:bodyPr>
+          <a:lstStyle>
+            <a:lvl1pPr algn="l" defTabSz="914400" rtl="0" eaLnBrk="1" latinLnBrk="0" hangingPunct="1">
+              <a:spcBef>
+                <a:spcPct val="0"/>
+              </a:spcBef>
+              <a:buNone/>
+              <a:defRPr kumimoji="1" sz="4900" kern="1200">
+                <a:solidFill>
+                  <a:schemeClr val="tx1"/>
+                </a:solidFill>
+                <a:effectLst>
+                  <a:outerShdw blurRad="38100" dist="38100" dir="2700000" algn="tl">
+                    <a:srgbClr val="000000">
+                      <a:alpha val="43137"/>
+                    </a:srgbClr>
+                  </a:outerShdw>
+                </a:effectLst>
+                <a:latin typeface="+mj-lt"/>
+                <a:ea typeface="+mj-ea"/>
+                <a:cs typeface="+mj-cs"/>
+              </a:defRPr>
+            </a:lvl1pPr>
+            <a:lvl2pPr eaLnBrk="1" hangingPunct="1">
+              <a:defRPr kumimoji="1">
+                <a:solidFill>
+                  <a:schemeClr val="tx2"/>
+                </a:solidFill>
+              </a:defRPr>
+            </a:lvl2pPr>
+            <a:lvl3pPr eaLnBrk="1" hangingPunct="1">
+              <a:defRPr kumimoji="1">
+                <a:solidFill>
+                  <a:schemeClr val="tx2"/>
+                </a:solidFill>
+              </a:defRPr>
+            </a:lvl3pPr>
+            <a:lvl4pPr eaLnBrk="1" hangingPunct="1">
+              <a:defRPr kumimoji="1">
+                <a:solidFill>
+                  <a:schemeClr val="tx2"/>
+                </a:solidFill>
+              </a:defRPr>
+            </a:lvl4pPr>
+            <a:lvl5pPr eaLnBrk="1" hangingPunct="1">
+              <a:defRPr kumimoji="1">
+                <a:solidFill>
+                  <a:schemeClr val="tx2"/>
+                </a:solidFill>
+              </a:defRPr>
+            </a:lvl5pPr>
+            <a:lvl6pPr eaLnBrk="1" hangingPunct="1">
+              <a:defRPr kumimoji="1">
+                <a:solidFill>
+                  <a:schemeClr val="tx2"/>
+                </a:solidFill>
+              </a:defRPr>
+            </a:lvl6pPr>
+            <a:lvl7pPr eaLnBrk="1" hangingPunct="1">
+              <a:defRPr kumimoji="1">
+                <a:solidFill>
+                  <a:schemeClr val="tx2"/>
+                </a:solidFill>
+              </a:defRPr>
+            </a:lvl7pPr>
+            <a:lvl8pPr eaLnBrk="1" hangingPunct="1">
+              <a:defRPr kumimoji="1">
+                <a:solidFill>
+                  <a:schemeClr val="tx2"/>
+                </a:solidFill>
+              </a:defRPr>
+            </a:lvl8pPr>
+            <a:lvl9pPr eaLnBrk="1" hangingPunct="1">
+              <a:defRPr kumimoji="1">
+                <a:solidFill>
+                  <a:schemeClr val="tx2"/>
+                </a:solidFill>
+              </a:defRPr>
+            </a:lvl9pPr>
+          </a:lstStyle>
+          <a:p>
+            <a:pPr>
+              <a:lnSpc>
+                <a:spcPct val="120000"/>
+              </a:lnSpc>
+            </a:pPr>
+            <a:r>
+              <a:rPr lang="en-US" altLang="ja-JP" sz="3600" dirty="0" err="1" smtClean="0">
+                <a:latin typeface="メイリオ"/>
+                <a:ea typeface="メイリオ"/>
+                <a:cs typeface="メイリオ"/>
+              </a:rPr>
+              <a:t>eig.eigenvalues</a:t>
+            </a:r>
+            <a:r>
+              <a:rPr lang="en-US" altLang="ja-JP" sz="3600" dirty="0" smtClean="0">
+                <a:latin typeface="メイリオ"/>
+                <a:ea typeface="メイリオ"/>
+                <a:cs typeface="メイリオ"/>
+              </a:rPr>
+              <a:t>(</a:t>
+            </a:r>
+            <a:r>
+              <a:rPr lang="en-US" altLang="ja-JP" sz="3600" dirty="0" smtClean="0">
+                <a:latin typeface="メイリオ"/>
+                <a:ea typeface="メイリオ"/>
+                <a:cs typeface="メイリオ"/>
+              </a:rPr>
+              <a:t>);  </a:t>
+            </a:r>
+            <a:r>
+              <a:rPr lang="en-US" altLang="ja-JP" sz="3600" dirty="0" smtClean="0">
+                <a:solidFill>
+                  <a:srgbClr val="595959"/>
+                </a:solidFill>
+                <a:latin typeface="メイリオ"/>
+                <a:ea typeface="メイリオ"/>
+                <a:cs typeface="メイリオ"/>
+              </a:rPr>
+              <a:t>// </a:t>
+            </a:r>
+            <a:r>
+              <a:rPr lang="ja-JP" altLang="en-US" sz="3600" dirty="0" smtClean="0">
+                <a:solidFill>
+                  <a:srgbClr val="595959"/>
+                </a:solidFill>
+                <a:latin typeface="メイリオ"/>
+                <a:ea typeface="メイリオ"/>
+                <a:cs typeface="メイリオ"/>
+              </a:rPr>
+              <a:t>固有値</a:t>
+            </a:r>
+            <a:endParaRPr lang="en-US" altLang="ja-JP" sz="3600" dirty="0" smtClean="0">
+              <a:solidFill>
+                <a:srgbClr val="595959"/>
+              </a:solidFill>
+              <a:latin typeface="メイリオ"/>
+              <a:ea typeface="メイリオ"/>
+              <a:cs typeface="メイリオ"/>
+            </a:endParaRPr>
+          </a:p>
+          <a:p>
+            <a:pPr>
+              <a:lnSpc>
+                <a:spcPct val="120000"/>
+              </a:lnSpc>
+            </a:pPr>
+            <a:r>
+              <a:rPr lang="en-US" altLang="ja-JP" sz="3600" dirty="0" err="1">
+                <a:latin typeface="メイリオ"/>
+                <a:ea typeface="メイリオ"/>
+                <a:cs typeface="メイリオ"/>
+              </a:rPr>
+              <a:t>eig.eigenvalues</a:t>
+            </a:r>
+            <a:r>
+              <a:rPr lang="en-US" altLang="ja-JP" sz="3600" dirty="0">
+                <a:latin typeface="メイリオ"/>
+                <a:ea typeface="メイリオ"/>
+                <a:cs typeface="メイリオ"/>
+              </a:rPr>
+              <a:t>(</a:t>
+            </a:r>
+            <a:r>
+              <a:rPr lang="en-US" altLang="ja-JP" sz="3600" dirty="0" smtClean="0">
+                <a:latin typeface="メイリオ"/>
+                <a:ea typeface="メイリオ"/>
+                <a:cs typeface="メイリオ"/>
+              </a:rPr>
+              <a:t>);  </a:t>
+            </a:r>
+            <a:r>
+              <a:rPr lang="en-US" altLang="ja-JP" sz="3600" dirty="0" smtClean="0">
+                <a:solidFill>
+                  <a:srgbClr val="595959"/>
+                </a:solidFill>
+                <a:latin typeface="メイリオ"/>
+                <a:ea typeface="メイリオ"/>
+                <a:cs typeface="メイリオ"/>
+              </a:rPr>
+              <a:t>// </a:t>
+            </a:r>
+            <a:r>
+              <a:rPr lang="ja-JP" altLang="en-US" sz="3600" dirty="0" smtClean="0">
+                <a:solidFill>
+                  <a:srgbClr val="595959"/>
+                </a:solidFill>
+                <a:latin typeface="メイリオ"/>
+                <a:ea typeface="メイリオ"/>
+                <a:cs typeface="メイリオ"/>
+              </a:rPr>
+              <a:t>固有ベクトル</a:t>
+            </a:r>
+            <a:endParaRPr lang="en-US" altLang="ja-JP" sz="3600" dirty="0">
+              <a:solidFill>
+                <a:srgbClr val="595959"/>
+              </a:solidFill>
+              <a:latin typeface="メイリオ"/>
+              <a:ea typeface="メイリオ"/>
+              <a:cs typeface="メイリオ"/>
+            </a:endParaRPr>
+          </a:p>
+        </p:txBody>
+      </p:sp>
+      <p:sp>
+        <p:nvSpPr>
+          <p:cNvPr id="5" name="タイトル 1"/>
+          <p:cNvSpPr txBox="1">
+            <a:spLocks/>
+          </p:cNvSpPr>
+          <p:nvPr/>
+        </p:nvSpPr>
+        <p:spPr>
+          <a:xfrm>
+            <a:off x="1109579" y="3539960"/>
+            <a:ext cx="7820526" cy="868947"/>
+          </a:xfrm>
+          <a:prstGeom prst="rect">
+            <a:avLst/>
+          </a:prstGeom>
+        </p:spPr>
+        <p:txBody>
+          <a:bodyPr vert="horz" lIns="91440" tIns="45720" rIns="91440" bIns="45720" rtlCol="0" anchor="ctr">
+            <a:normAutofit/>
+          </a:bodyPr>
+          <a:lstStyle>
+            <a:lvl1pPr algn="l" defTabSz="914400" rtl="0" eaLnBrk="1" latinLnBrk="0" hangingPunct="1">
+              <a:spcBef>
+                <a:spcPct val="0"/>
+              </a:spcBef>
+              <a:buNone/>
+              <a:defRPr kumimoji="1" sz="4900" kern="1200">
+                <a:solidFill>
+                  <a:schemeClr val="tx1"/>
+                </a:solidFill>
+                <a:effectLst>
+                  <a:outerShdw blurRad="38100" dist="38100" dir="2700000" algn="tl">
+                    <a:srgbClr val="000000">
+                      <a:alpha val="43137"/>
+                    </a:srgbClr>
+                  </a:outerShdw>
+                </a:effectLst>
+                <a:latin typeface="+mj-lt"/>
+                <a:ea typeface="+mj-ea"/>
+                <a:cs typeface="+mj-cs"/>
+              </a:defRPr>
+            </a:lvl1pPr>
+            <a:lvl2pPr eaLnBrk="1" hangingPunct="1">
+              <a:defRPr kumimoji="1">
+                <a:solidFill>
+                  <a:schemeClr val="tx2"/>
+                </a:solidFill>
+              </a:defRPr>
+            </a:lvl2pPr>
+            <a:lvl3pPr eaLnBrk="1" hangingPunct="1">
+              <a:defRPr kumimoji="1">
+                <a:solidFill>
+                  <a:schemeClr val="tx2"/>
+                </a:solidFill>
+              </a:defRPr>
+            </a:lvl3pPr>
+            <a:lvl4pPr eaLnBrk="1" hangingPunct="1">
+              <a:defRPr kumimoji="1">
+                <a:solidFill>
+                  <a:schemeClr val="tx2"/>
+                </a:solidFill>
+              </a:defRPr>
+            </a:lvl4pPr>
+            <a:lvl5pPr eaLnBrk="1" hangingPunct="1">
+              <a:defRPr kumimoji="1">
+                <a:solidFill>
+                  <a:schemeClr val="tx2"/>
+                </a:solidFill>
+              </a:defRPr>
+            </a:lvl5pPr>
+            <a:lvl6pPr eaLnBrk="1" hangingPunct="1">
+              <a:defRPr kumimoji="1">
+                <a:solidFill>
+                  <a:schemeClr val="tx2"/>
+                </a:solidFill>
+              </a:defRPr>
+            </a:lvl6pPr>
+            <a:lvl7pPr eaLnBrk="1" hangingPunct="1">
+              <a:defRPr kumimoji="1">
+                <a:solidFill>
+                  <a:schemeClr val="tx2"/>
+                </a:solidFill>
+              </a:defRPr>
+            </a:lvl7pPr>
+            <a:lvl8pPr eaLnBrk="1" hangingPunct="1">
+              <a:defRPr kumimoji="1">
+                <a:solidFill>
+                  <a:schemeClr val="tx2"/>
+                </a:solidFill>
+              </a:defRPr>
+            </a:lvl8pPr>
+            <a:lvl9pPr eaLnBrk="1" hangingPunct="1">
+              <a:defRPr kumimoji="1">
+                <a:solidFill>
+                  <a:schemeClr val="tx2"/>
+                </a:solidFill>
+              </a:defRPr>
+            </a:lvl9pPr>
+          </a:lstStyle>
+          <a:p>
+            <a:pPr>
+              <a:lnSpc>
+                <a:spcPct val="120000"/>
+              </a:lnSpc>
+            </a:pPr>
+            <a:r>
+              <a:rPr lang="en-US" altLang="ja-JP" sz="3600" dirty="0" err="1">
+                <a:latin typeface="メイリオ"/>
+                <a:ea typeface="メイリオ"/>
+                <a:cs typeface="メイリオ"/>
+              </a:rPr>
+              <a:t>EigenSolver</a:t>
+            </a:r>
+            <a:r>
+              <a:rPr lang="en-US" altLang="ja-JP" sz="3600" dirty="0">
+                <a:latin typeface="メイリオ"/>
+                <a:ea typeface="メイリオ"/>
+                <a:cs typeface="メイリオ"/>
+              </a:rPr>
+              <a:t>&lt;Matrix3d&gt; </a:t>
+            </a:r>
+            <a:r>
+              <a:rPr lang="en-US" altLang="ja-JP" sz="3600" dirty="0" err="1">
+                <a:latin typeface="メイリオ"/>
+                <a:ea typeface="メイリオ"/>
+                <a:cs typeface="メイリオ"/>
+              </a:rPr>
+              <a:t>eig</a:t>
+            </a:r>
+            <a:r>
+              <a:rPr lang="en-US" altLang="ja-JP" sz="3600" dirty="0">
+                <a:latin typeface="メイリオ"/>
+                <a:ea typeface="メイリオ"/>
+                <a:cs typeface="メイリオ"/>
+              </a:rPr>
+              <a:t>(A</a:t>
+            </a:r>
+            <a:r>
+              <a:rPr lang="en-US" altLang="ja-JP" sz="3600" dirty="0" smtClean="0">
+                <a:latin typeface="メイリオ"/>
+                <a:ea typeface="メイリオ"/>
+                <a:cs typeface="メイリオ"/>
+              </a:rPr>
+              <a:t>)</a:t>
+            </a:r>
+            <a:endParaRPr lang="en-US" altLang="ja-JP" sz="3600" dirty="0">
+              <a:latin typeface="メイリオ"/>
+              <a:ea typeface="メイリオ"/>
+              <a:cs typeface="メイリオ"/>
+            </a:endParaRPr>
+          </a:p>
+        </p:txBody>
+      </p:sp>
+      <p:sp>
+        <p:nvSpPr>
+          <p:cNvPr id="37" name="スライド番号プレースホルダー 36"/>
+          <p:cNvSpPr>
+            <a:spLocks noGrp="1"/>
+          </p:cNvSpPr>
+          <p:nvPr>
+            <p:ph type="sldNum" sz="quarter" idx="12"/>
+          </p:nvPr>
+        </p:nvSpPr>
+        <p:spPr/>
+        <p:txBody>
+          <a:bodyPr/>
+          <a:lstStyle/>
+          <a:p>
+            <a:fld id="{FE018FE4-9B13-8949-957E-751800858615}" type="slidenum">
+              <a:rPr kumimoji="1" lang="ja-JP" altLang="en-US" smtClean="0"/>
+              <a:t>29</a:t>
+            </a:fld>
+            <a:endParaRPr kumimoji="1" lang="ja-JP" altLang="en-US"/>
+          </a:p>
+        </p:txBody>
+      </p:sp>
+    </p:spTree>
+    <p:extLst>
+      <p:ext uri="{BB962C8B-B14F-4D97-AF65-F5344CB8AC3E}">
+        <p14:creationId xmlns:p14="http://schemas.microsoft.com/office/powerpoint/2010/main" val="3203347996"/>
+      </p:ext>
+    </p:extLst>
+  </p:cSld>
+  <p:clrMapOvr>
+    <a:masterClrMapping/>
+  </p:clrMapOvr>
+  <p:timing>
+    <p:tnLst>
+      <p:par>
+        <p:cTn xmlns:p14="http://schemas.microsoft.com/office/powerpoint/2010/main" id="1" dur="indefinite" restart="never" nodeType="tmRoot"/>
+      </p:par>
+    </p:tnLst>
+  </p:timing>
+</p:sld>
+</file>
+
+<file path=ppt/slides/slide3.xml><?xml version="1.0" encoding="utf-8"?>
+<p:sld xmlns:a="http://schemas.openxmlformats.org/drawingml/2006/main" xmlns:r="http://schemas.openxmlformats.org/officeDocument/2006/relationships" xmlns:p="http://schemas.openxmlformats.org/presentationml/2006/main">
+  <p:cSld>
+    <p:spTree>
+      <p:nvGrpSpPr>
+        <p:cNvPr id="1" name=""/>
+        <p:cNvGrpSpPr/>
+        <p:nvPr/>
+      </p:nvGrpSpPr>
+      <p:grpSpPr>
+        <a:xfrm>
+          <a:off x="0" y="0"/>
+          <a:ext cx="0" cy="0"/>
+          <a:chOff x="0" y="0"/>
+          <a:chExt cx="0" cy="0"/>
+        </a:xfrm>
+      </p:grpSpPr>
+      <p:sp>
+        <p:nvSpPr>
+          <p:cNvPr id="6" name="タイトル 1"/>
+          <p:cNvSpPr txBox="1">
+            <a:spLocks/>
+          </p:cNvSpPr>
+          <p:nvPr/>
+        </p:nvSpPr>
+        <p:spPr>
+          <a:xfrm>
+            <a:off x="454526" y="93577"/>
+            <a:ext cx="3315369" cy="1310104"/>
+          </a:xfrm>
+          <a:prstGeom prst="rect">
+            <a:avLst/>
+          </a:prstGeom>
+        </p:spPr>
+        <p:txBody>
+          <a:bodyPr vert="horz" lIns="91440" tIns="45720" rIns="91440" bIns="45720" rtlCol="0" anchor="ctr">
+            <a:normAutofit/>
+          </a:bodyPr>
+          <a:lstStyle>
+            <a:lvl1pPr algn="l" defTabSz="914400" rtl="0" eaLnBrk="1" latinLnBrk="0" hangingPunct="1">
+              <a:spcBef>
+                <a:spcPct val="0"/>
+              </a:spcBef>
+              <a:buNone/>
+              <a:defRPr kumimoji="1" sz="4900" kern="1200">
+                <a:solidFill>
+                  <a:schemeClr val="tx1"/>
+                </a:solidFill>
+                <a:effectLst>
+                  <a:outerShdw blurRad="38100" dist="38100" dir="2700000" algn="tl">
+                    <a:srgbClr val="000000">
+                      <a:alpha val="43137"/>
+                    </a:srgbClr>
+                  </a:outerShdw>
+                </a:effectLst>
+                <a:latin typeface="+mj-lt"/>
+                <a:ea typeface="+mj-ea"/>
+                <a:cs typeface="+mj-cs"/>
+              </a:defRPr>
+            </a:lvl1pPr>
+            <a:lvl2pPr eaLnBrk="1" hangingPunct="1">
+              <a:defRPr kumimoji="1">
+                <a:solidFill>
+                  <a:schemeClr val="tx2"/>
+                </a:solidFill>
+              </a:defRPr>
+            </a:lvl2pPr>
+            <a:lvl3pPr eaLnBrk="1" hangingPunct="1">
+              <a:defRPr kumimoji="1">
+                <a:solidFill>
+                  <a:schemeClr val="tx2"/>
+                </a:solidFill>
+              </a:defRPr>
+            </a:lvl3pPr>
+            <a:lvl4pPr eaLnBrk="1" hangingPunct="1">
+              <a:defRPr kumimoji="1">
+                <a:solidFill>
+                  <a:schemeClr val="tx2"/>
+                </a:solidFill>
+              </a:defRPr>
+            </a:lvl4pPr>
+            <a:lvl5pPr eaLnBrk="1" hangingPunct="1">
+              <a:defRPr kumimoji="1">
+                <a:solidFill>
+                  <a:schemeClr val="tx2"/>
+                </a:solidFill>
+              </a:defRPr>
+            </a:lvl5pPr>
+            <a:lvl6pPr eaLnBrk="1" hangingPunct="1">
+              <a:defRPr kumimoji="1">
+                <a:solidFill>
+                  <a:schemeClr val="tx2"/>
+                </a:solidFill>
+              </a:defRPr>
+            </a:lvl6pPr>
+            <a:lvl7pPr eaLnBrk="1" hangingPunct="1">
+              <a:defRPr kumimoji="1">
+                <a:solidFill>
+                  <a:schemeClr val="tx2"/>
+                </a:solidFill>
+              </a:defRPr>
+            </a:lvl7pPr>
+            <a:lvl8pPr eaLnBrk="1" hangingPunct="1">
+              <a:defRPr kumimoji="1">
+                <a:solidFill>
+                  <a:schemeClr val="tx2"/>
+                </a:solidFill>
+              </a:defRPr>
+            </a:lvl8pPr>
+            <a:lvl9pPr eaLnBrk="1" hangingPunct="1">
+              <a:defRPr kumimoji="1">
+                <a:solidFill>
+                  <a:schemeClr val="tx2"/>
+                </a:solidFill>
+              </a:defRPr>
+            </a:lvl9pPr>
+          </a:lstStyle>
+          <a:p>
+            <a:r>
+              <a:rPr lang="ja-JP" altLang="en-US" sz="3600" dirty="0" smtClean="0">
+                <a:latin typeface="メイリオ"/>
+                <a:ea typeface="メイリオ"/>
+                <a:cs typeface="メイリオ"/>
+              </a:rPr>
+              <a:t>資料</a:t>
+            </a:r>
+            <a:endParaRPr lang="ja-JP" altLang="en-US" sz="3600" dirty="0">
+              <a:latin typeface="メイリオ"/>
+              <a:ea typeface="メイリオ"/>
+              <a:cs typeface="メイリオ"/>
+            </a:endParaRPr>
+          </a:p>
+        </p:txBody>
+      </p:sp>
+      <p:sp>
+        <p:nvSpPr>
+          <p:cNvPr id="4" name="タイトル 1"/>
+          <p:cNvSpPr txBox="1">
+            <a:spLocks/>
+          </p:cNvSpPr>
+          <p:nvPr/>
+        </p:nvSpPr>
+        <p:spPr>
+          <a:xfrm>
+            <a:off x="454526" y="1310104"/>
+            <a:ext cx="8475579" cy="4759159"/>
+          </a:xfrm>
+          <a:prstGeom prst="rect">
+            <a:avLst/>
+          </a:prstGeom>
+        </p:spPr>
+        <p:txBody>
+          <a:bodyPr vert="horz" lIns="91440" tIns="45720" rIns="91440" bIns="45720" rtlCol="0" anchor="ctr">
+            <a:normAutofit/>
+          </a:bodyPr>
+          <a:lstStyle>
+            <a:lvl1pPr algn="l" defTabSz="914400" rtl="0" eaLnBrk="1" latinLnBrk="0" hangingPunct="1">
+              <a:spcBef>
+                <a:spcPct val="0"/>
+              </a:spcBef>
+              <a:buNone/>
+              <a:defRPr kumimoji="1" sz="4900" kern="1200">
+                <a:solidFill>
+                  <a:schemeClr val="tx1"/>
+                </a:solidFill>
+                <a:effectLst>
+                  <a:outerShdw blurRad="38100" dist="38100" dir="2700000" algn="tl">
+                    <a:srgbClr val="000000">
+                      <a:alpha val="43137"/>
+                    </a:srgbClr>
+                  </a:outerShdw>
+                </a:effectLst>
+                <a:latin typeface="+mj-lt"/>
+                <a:ea typeface="+mj-ea"/>
+                <a:cs typeface="+mj-cs"/>
+              </a:defRPr>
+            </a:lvl1pPr>
+            <a:lvl2pPr eaLnBrk="1" hangingPunct="1">
+              <a:defRPr kumimoji="1">
+                <a:solidFill>
+                  <a:schemeClr val="tx2"/>
+                </a:solidFill>
+              </a:defRPr>
+            </a:lvl2pPr>
+            <a:lvl3pPr eaLnBrk="1" hangingPunct="1">
+              <a:defRPr kumimoji="1">
+                <a:solidFill>
+                  <a:schemeClr val="tx2"/>
+                </a:solidFill>
+              </a:defRPr>
+            </a:lvl3pPr>
+            <a:lvl4pPr eaLnBrk="1" hangingPunct="1">
+              <a:defRPr kumimoji="1">
+                <a:solidFill>
+                  <a:schemeClr val="tx2"/>
+                </a:solidFill>
+              </a:defRPr>
+            </a:lvl4pPr>
+            <a:lvl5pPr eaLnBrk="1" hangingPunct="1">
+              <a:defRPr kumimoji="1">
+                <a:solidFill>
+                  <a:schemeClr val="tx2"/>
+                </a:solidFill>
+              </a:defRPr>
+            </a:lvl5pPr>
+            <a:lvl6pPr eaLnBrk="1" hangingPunct="1">
+              <a:defRPr kumimoji="1">
+                <a:solidFill>
+                  <a:schemeClr val="tx2"/>
+                </a:solidFill>
+              </a:defRPr>
+            </a:lvl6pPr>
+            <a:lvl7pPr eaLnBrk="1" hangingPunct="1">
+              <a:defRPr kumimoji="1">
+                <a:solidFill>
+                  <a:schemeClr val="tx2"/>
+                </a:solidFill>
+              </a:defRPr>
+            </a:lvl7pPr>
+            <a:lvl8pPr eaLnBrk="1" hangingPunct="1">
+              <a:defRPr kumimoji="1">
+                <a:solidFill>
+                  <a:schemeClr val="tx2"/>
+                </a:solidFill>
+              </a:defRPr>
+            </a:lvl8pPr>
+            <a:lvl9pPr eaLnBrk="1" hangingPunct="1">
+              <a:defRPr kumimoji="1">
+                <a:solidFill>
+                  <a:schemeClr val="tx2"/>
+                </a:solidFill>
+              </a:defRPr>
+            </a:lvl9pPr>
+          </a:lstStyle>
+          <a:p>
+            <a:pPr marL="571500" indent="-571500">
+              <a:buFont typeface="Arial"/>
+              <a:buChar char="•"/>
+            </a:pPr>
+            <a:r>
+              <a:rPr lang="en-US" altLang="ja-JP" sz="2800" dirty="0" smtClean="0">
+                <a:latin typeface="メイリオ"/>
+                <a:ea typeface="メイリオ"/>
+                <a:cs typeface="メイリオ"/>
+                <a:hlinkClick r:id="rId3"/>
+              </a:rPr>
+              <a:t>https</a:t>
+            </a:r>
+            <a:r>
+              <a:rPr lang="en-US" altLang="ja-JP" sz="2800" dirty="0">
+                <a:latin typeface="メイリオ"/>
+                <a:ea typeface="メイリオ"/>
+                <a:cs typeface="メイリオ"/>
+                <a:hlinkClick r:id="rId3"/>
+              </a:rPr>
+              <a:t>://github.com/TetsuyaNegishi/</a:t>
+            </a:r>
+            <a:r>
+              <a:rPr lang="en-US" altLang="ja-JP" sz="2800" dirty="0" smtClean="0">
+                <a:latin typeface="メイリオ"/>
+                <a:ea typeface="メイリオ"/>
+                <a:cs typeface="メイリオ"/>
+                <a:hlinkClick r:id="rId3"/>
+              </a:rPr>
+              <a:t>Eigen_Seminar_2015_11_04</a:t>
+            </a:r>
+            <a:r>
+              <a:rPr lang="en-US" altLang="ja-JP" sz="2800" dirty="0" smtClean="0">
+                <a:latin typeface="メイリオ"/>
+                <a:ea typeface="メイリオ"/>
+                <a:cs typeface="メイリオ"/>
+              </a:rPr>
+              <a:t/>
+            </a:r>
+            <a:br>
+              <a:rPr lang="en-US" altLang="ja-JP" sz="2800" dirty="0" smtClean="0">
+                <a:latin typeface="メイリオ"/>
+                <a:ea typeface="メイリオ"/>
+                <a:cs typeface="メイリオ"/>
+              </a:rPr>
+            </a:br>
+            <a:r>
+              <a:rPr lang="en-US" altLang="ja-JP" sz="2800" dirty="0" smtClean="0">
+                <a:latin typeface="メイリオ"/>
+                <a:ea typeface="メイリオ"/>
+                <a:cs typeface="メイリオ"/>
+              </a:rPr>
+              <a:t/>
+            </a:r>
+            <a:br>
+              <a:rPr lang="en-US" altLang="ja-JP" sz="2800" dirty="0" smtClean="0">
+                <a:latin typeface="メイリオ"/>
+                <a:ea typeface="メイリオ"/>
+                <a:cs typeface="メイリオ"/>
+              </a:rPr>
+            </a:br>
+            <a:r>
+              <a:rPr lang="ja-JP" altLang="en-US" sz="2800" dirty="0" smtClean="0">
+                <a:latin typeface="メイリオ"/>
+                <a:ea typeface="メイリオ"/>
+                <a:cs typeface="メイリオ"/>
+              </a:rPr>
+              <a:t>スライド有</a:t>
+            </a:r>
+            <a:r>
+              <a:rPr lang="en-US" altLang="ja-JP" sz="2800" dirty="0" smtClean="0">
+                <a:latin typeface="メイリオ"/>
+                <a:ea typeface="メイリオ"/>
+                <a:cs typeface="メイリオ"/>
+              </a:rPr>
+              <a:t/>
+            </a:r>
+            <a:br>
+              <a:rPr lang="en-US" altLang="ja-JP" sz="2800" dirty="0" smtClean="0">
+                <a:latin typeface="メイリオ"/>
+                <a:ea typeface="メイリオ"/>
+                <a:cs typeface="メイリオ"/>
+              </a:rPr>
+            </a:br>
+            <a:r>
+              <a:rPr lang="ja-JP" altLang="en-US" sz="2800" dirty="0" smtClean="0">
+                <a:latin typeface="メイリオ"/>
+                <a:ea typeface="メイリオ"/>
+                <a:cs typeface="メイリオ"/>
+              </a:rPr>
+              <a:t>ソースコードなど上げていくつもり</a:t>
+            </a:r>
+            <a:endParaRPr lang="en-US" altLang="ja-JP" sz="2800" dirty="0" smtClean="0">
+              <a:latin typeface="メイリオ"/>
+              <a:ea typeface="メイリオ"/>
+              <a:cs typeface="メイリオ"/>
+            </a:endParaRPr>
+          </a:p>
+        </p:txBody>
+      </p:sp>
+      <p:sp>
+        <p:nvSpPr>
+          <p:cNvPr id="5" name="スライド番号プレースホルダー 4"/>
+          <p:cNvSpPr>
+            <a:spLocks noGrp="1"/>
+          </p:cNvSpPr>
+          <p:nvPr>
+            <p:ph type="sldNum" sz="quarter" idx="12"/>
+          </p:nvPr>
+        </p:nvSpPr>
+        <p:spPr/>
+        <p:txBody>
+          <a:bodyPr/>
+          <a:lstStyle/>
+          <a:p>
+            <a:fld id="{FE018FE4-9B13-8949-957E-751800858615}" type="slidenum">
+              <a:rPr kumimoji="1" lang="ja-JP" altLang="en-US" smtClean="0"/>
+              <a:t>3</a:t>
+            </a:fld>
+            <a:endParaRPr kumimoji="1" lang="ja-JP" altLang="en-US"/>
+          </a:p>
+        </p:txBody>
+      </p:sp>
+    </p:spTree>
+    <p:extLst>
+      <p:ext uri="{BB962C8B-B14F-4D97-AF65-F5344CB8AC3E}">
+        <p14:creationId xmlns:p14="http://schemas.microsoft.com/office/powerpoint/2010/main" val="2514278657"/>
+      </p:ext>
+    </p:extLst>
+  </p:cSld>
+  <p:clrMapOvr>
+    <a:masterClrMapping/>
+  </p:clrMapOvr>
+  <p:timing>
+    <p:tnLst>
+      <p:par>
+        <p:cTn xmlns:p14="http://schemas.microsoft.com/office/powerpoint/2010/main" id="1" dur="indefinite" restart="never" nodeType="tmRoot"/>
+      </p:par>
+    </p:tnLst>
+  </p:timing>
+</p:sld>
+</file>
+
+<file path=ppt/slides/slide30.xml><?xml version="1.0" encoding="utf-8"?>
 <p:sld xmlns:a="http://schemas.openxmlformats.org/drawingml/2006/main" xmlns:r="http://schemas.openxmlformats.org/officeDocument/2006/relationships" xmlns:p="http://schemas.openxmlformats.org/presentationml/2006/main">
   <p:cSld>
     <p:spTree>
@@ -18086,11 +19190,6 @@
                         </a:rPr>
                         <a:t>コレスキー</a:t>
                       </a:r>
-                      <a:endParaRPr kumimoji="1" lang="ja-JP" altLang="en-US" sz="3600" dirty="0" smtClean="0">
-                        <a:latin typeface="メイリオ"/>
-                        <a:ea typeface="メイリオ"/>
-                        <a:cs typeface="メイリオ"/>
-                      </a:endParaRPr>
                     </a:p>
                   </a:txBody>
                   <a:tcPr anchor="ctr"/>
@@ -18225,11 +19324,6 @@
                         </a:rPr>
                         <a:t>分解</a:t>
                       </a:r>
-                      <a:endParaRPr kumimoji="1" lang="ja-JP" altLang="en-US" sz="3600" dirty="0" smtClean="0">
-                        <a:latin typeface="メイリオ"/>
-                        <a:ea typeface="メイリオ"/>
-                        <a:cs typeface="メイリオ"/>
-                      </a:endParaRPr>
                     </a:p>
                   </a:txBody>
                   <a:tcPr anchor="ctr"/>
@@ -18336,11 +19430,6 @@
                         </a:rPr>
                         <a:t>分解</a:t>
                       </a:r>
-                      <a:endParaRPr kumimoji="1" lang="ja-JP" altLang="en-US" sz="3600" dirty="0" smtClean="0">
-                        <a:latin typeface="メイリオ"/>
-                        <a:ea typeface="メイリオ"/>
-                        <a:cs typeface="メイリオ"/>
-                      </a:endParaRPr>
                     </a:p>
                   </a:txBody>
                   <a:tcPr anchor="ctr"/>
@@ -18388,15 +19477,7 @@
                           <a:ea typeface="メイリオ"/>
                           <a:cs typeface="メイリオ"/>
                         </a:rPr>
-                        <a:t>疎</a:t>
-                      </a:r>
-                      <a:r>
-                        <a:rPr kumimoji="1" lang="ja-JP" altLang="en-US" sz="3600" dirty="0" smtClean="0">
-                          <a:latin typeface="メイリオ"/>
-                          <a:ea typeface="メイリオ"/>
-                          <a:cs typeface="メイリオ"/>
-                        </a:rPr>
-                        <a:t>：</a:t>
+                        <a:t>疎：</a:t>
                       </a:r>
                       <a:r>
                         <a:rPr kumimoji="1" lang="en-US" altLang="ja-JP" sz="3600" dirty="0" err="1" smtClean="0">
@@ -18515,29 +19596,8 @@
                           <a:ea typeface="メイリオ"/>
                           <a:cs typeface="メイリオ"/>
                         </a:rPr>
-                        <a:t>疎</a:t>
+                        <a:t>疎：無し</a:t>
                       </a:r>
-                      <a:r>
-                        <a:rPr kumimoji="1" lang="ja-JP" altLang="en-US" sz="3600" dirty="0" smtClean="0">
-                          <a:latin typeface="メイリオ"/>
-                          <a:ea typeface="メイリオ"/>
-                          <a:cs typeface="メイリオ"/>
-                        </a:rPr>
-                        <a:t>：</a:t>
-                      </a:r>
-                      <a:r>
-                        <a:rPr kumimoji="1" lang="ja-JP" altLang="en-US" sz="3600" dirty="0" smtClean="0">
-                          <a:latin typeface="メイリオ"/>
-                          <a:ea typeface="メイリオ"/>
-                          <a:cs typeface="メイリオ"/>
-                        </a:rPr>
-                        <a:t>無し</a:t>
-                      </a:r>
-                      <a:endParaRPr kumimoji="1" lang="ja-JP" altLang="en-US" sz="3600" dirty="0" smtClean="0">
-                        <a:latin typeface="メイリオ"/>
-                        <a:ea typeface="メイリオ"/>
-                        <a:cs typeface="メイリオ"/>
-                      </a:endParaRPr>
                     </a:p>
                   </a:txBody>
                   <a:tcPr anchor="ctr"/>
@@ -18564,7 +19624,7 @@
           <a:p>
             <a:fld id="{FE018FE4-9B13-8949-957E-751800858615}" type="slidenum">
               <a:rPr kumimoji="1" lang="ja-JP" altLang="en-US" smtClean="0"/>
-              <a:t>29</a:t>
+              <a:t>30</a:t>
             </a:fld>
             <a:endParaRPr kumimoji="1" lang="ja-JP" altLang="en-US"/>
           </a:p>
@@ -18590,385 +19650,7 @@
 </p:sld>
 </file>
 
-<file path=ppt/slides/slide3.xml><?xml version="1.0" encoding="utf-8"?>
-<p:sld xmlns:a="http://schemas.openxmlformats.org/drawingml/2006/main" xmlns:r="http://schemas.openxmlformats.org/officeDocument/2006/relationships" xmlns:p="http://schemas.openxmlformats.org/presentationml/2006/main">
-  <p:cSld>
-    <p:spTree>
-      <p:nvGrpSpPr>
-        <p:cNvPr id="1" name=""/>
-        <p:cNvGrpSpPr/>
-        <p:nvPr/>
-      </p:nvGrpSpPr>
-      <p:grpSpPr>
-        <a:xfrm>
-          <a:off x="0" y="0"/>
-          <a:ext cx="0" cy="0"/>
-          <a:chOff x="0" y="0"/>
-          <a:chExt cx="0" cy="0"/>
-        </a:xfrm>
-      </p:grpSpPr>
-      <p:sp>
-        <p:nvSpPr>
-          <p:cNvPr id="6" name="タイトル 1"/>
-          <p:cNvSpPr txBox="1">
-            <a:spLocks/>
-          </p:cNvSpPr>
-          <p:nvPr/>
-        </p:nvSpPr>
-        <p:spPr>
-          <a:xfrm>
-            <a:off x="454526" y="93577"/>
-            <a:ext cx="3315369" cy="1310104"/>
-          </a:xfrm>
-          <a:prstGeom prst="rect">
-            <a:avLst/>
-          </a:prstGeom>
-        </p:spPr>
-        <p:txBody>
-          <a:bodyPr vert="horz" lIns="91440" tIns="45720" rIns="91440" bIns="45720" rtlCol="0" anchor="ctr">
-            <a:normAutofit/>
-          </a:bodyPr>
-          <a:lstStyle>
-            <a:lvl1pPr algn="l" defTabSz="914400" rtl="0" eaLnBrk="1" latinLnBrk="0" hangingPunct="1">
-              <a:spcBef>
-                <a:spcPct val="0"/>
-              </a:spcBef>
-              <a:buNone/>
-              <a:defRPr kumimoji="1" sz="4900" kern="1200">
-                <a:solidFill>
-                  <a:schemeClr val="tx1"/>
-                </a:solidFill>
-                <a:effectLst>
-                  <a:outerShdw blurRad="38100" dist="38100" dir="2700000" algn="tl">
-                    <a:srgbClr val="000000">
-                      <a:alpha val="43137"/>
-                    </a:srgbClr>
-                  </a:outerShdw>
-                </a:effectLst>
-                <a:latin typeface="+mj-lt"/>
-                <a:ea typeface="+mj-ea"/>
-                <a:cs typeface="+mj-cs"/>
-              </a:defRPr>
-            </a:lvl1pPr>
-            <a:lvl2pPr eaLnBrk="1" hangingPunct="1">
-              <a:defRPr kumimoji="1">
-                <a:solidFill>
-                  <a:schemeClr val="tx2"/>
-                </a:solidFill>
-              </a:defRPr>
-            </a:lvl2pPr>
-            <a:lvl3pPr eaLnBrk="1" hangingPunct="1">
-              <a:defRPr kumimoji="1">
-                <a:solidFill>
-                  <a:schemeClr val="tx2"/>
-                </a:solidFill>
-              </a:defRPr>
-            </a:lvl3pPr>
-            <a:lvl4pPr eaLnBrk="1" hangingPunct="1">
-              <a:defRPr kumimoji="1">
-                <a:solidFill>
-                  <a:schemeClr val="tx2"/>
-                </a:solidFill>
-              </a:defRPr>
-            </a:lvl4pPr>
-            <a:lvl5pPr eaLnBrk="1" hangingPunct="1">
-              <a:defRPr kumimoji="1">
-                <a:solidFill>
-                  <a:schemeClr val="tx2"/>
-                </a:solidFill>
-              </a:defRPr>
-            </a:lvl5pPr>
-            <a:lvl6pPr eaLnBrk="1" hangingPunct="1">
-              <a:defRPr kumimoji="1">
-                <a:solidFill>
-                  <a:schemeClr val="tx2"/>
-                </a:solidFill>
-              </a:defRPr>
-            </a:lvl6pPr>
-            <a:lvl7pPr eaLnBrk="1" hangingPunct="1">
-              <a:defRPr kumimoji="1">
-                <a:solidFill>
-                  <a:schemeClr val="tx2"/>
-                </a:solidFill>
-              </a:defRPr>
-            </a:lvl7pPr>
-            <a:lvl8pPr eaLnBrk="1" hangingPunct="1">
-              <a:defRPr kumimoji="1">
-                <a:solidFill>
-                  <a:schemeClr val="tx2"/>
-                </a:solidFill>
-              </a:defRPr>
-            </a:lvl8pPr>
-            <a:lvl9pPr eaLnBrk="1" hangingPunct="1">
-              <a:defRPr kumimoji="1">
-                <a:solidFill>
-                  <a:schemeClr val="tx2"/>
-                </a:solidFill>
-              </a:defRPr>
-            </a:lvl9pPr>
-          </a:lstStyle>
-          <a:p>
-            <a:r>
-              <a:rPr lang="ja-JP" altLang="en-US" sz="3600" dirty="0" smtClean="0">
-                <a:latin typeface="メイリオ"/>
-                <a:ea typeface="メイリオ"/>
-                <a:cs typeface="メイリオ"/>
-              </a:rPr>
-              <a:t>資料</a:t>
-            </a:r>
-            <a:endParaRPr lang="ja-JP" altLang="en-US" sz="3600" dirty="0">
-              <a:latin typeface="メイリオ"/>
-              <a:ea typeface="メイリオ"/>
-              <a:cs typeface="メイリオ"/>
-            </a:endParaRPr>
-          </a:p>
-        </p:txBody>
-      </p:sp>
-      <p:sp>
-        <p:nvSpPr>
-          <p:cNvPr id="4" name="タイトル 1"/>
-          <p:cNvSpPr txBox="1">
-            <a:spLocks/>
-          </p:cNvSpPr>
-          <p:nvPr/>
-        </p:nvSpPr>
-        <p:spPr>
-          <a:xfrm>
-            <a:off x="454526" y="1310104"/>
-            <a:ext cx="8475579" cy="4759159"/>
-          </a:xfrm>
-          <a:prstGeom prst="rect">
-            <a:avLst/>
-          </a:prstGeom>
-        </p:spPr>
-        <p:txBody>
-          <a:bodyPr vert="horz" lIns="91440" tIns="45720" rIns="91440" bIns="45720" rtlCol="0" anchor="ctr">
-            <a:normAutofit/>
-          </a:bodyPr>
-          <a:lstStyle>
-            <a:lvl1pPr algn="l" defTabSz="914400" rtl="0" eaLnBrk="1" latinLnBrk="0" hangingPunct="1">
-              <a:spcBef>
-                <a:spcPct val="0"/>
-              </a:spcBef>
-              <a:buNone/>
-              <a:defRPr kumimoji="1" sz="4900" kern="1200">
-                <a:solidFill>
-                  <a:schemeClr val="tx1"/>
-                </a:solidFill>
-                <a:effectLst>
-                  <a:outerShdw blurRad="38100" dist="38100" dir="2700000" algn="tl">
-                    <a:srgbClr val="000000">
-                      <a:alpha val="43137"/>
-                    </a:srgbClr>
-                  </a:outerShdw>
-                </a:effectLst>
-                <a:latin typeface="+mj-lt"/>
-                <a:ea typeface="+mj-ea"/>
-                <a:cs typeface="+mj-cs"/>
-              </a:defRPr>
-            </a:lvl1pPr>
-            <a:lvl2pPr eaLnBrk="1" hangingPunct="1">
-              <a:defRPr kumimoji="1">
-                <a:solidFill>
-                  <a:schemeClr val="tx2"/>
-                </a:solidFill>
-              </a:defRPr>
-            </a:lvl2pPr>
-            <a:lvl3pPr eaLnBrk="1" hangingPunct="1">
-              <a:defRPr kumimoji="1">
-                <a:solidFill>
-                  <a:schemeClr val="tx2"/>
-                </a:solidFill>
-              </a:defRPr>
-            </a:lvl3pPr>
-            <a:lvl4pPr eaLnBrk="1" hangingPunct="1">
-              <a:defRPr kumimoji="1">
-                <a:solidFill>
-                  <a:schemeClr val="tx2"/>
-                </a:solidFill>
-              </a:defRPr>
-            </a:lvl4pPr>
-            <a:lvl5pPr eaLnBrk="1" hangingPunct="1">
-              <a:defRPr kumimoji="1">
-                <a:solidFill>
-                  <a:schemeClr val="tx2"/>
-                </a:solidFill>
-              </a:defRPr>
-            </a:lvl5pPr>
-            <a:lvl6pPr eaLnBrk="1" hangingPunct="1">
-              <a:defRPr kumimoji="1">
-                <a:solidFill>
-                  <a:schemeClr val="tx2"/>
-                </a:solidFill>
-              </a:defRPr>
-            </a:lvl6pPr>
-            <a:lvl7pPr eaLnBrk="1" hangingPunct="1">
-              <a:defRPr kumimoji="1">
-                <a:solidFill>
-                  <a:schemeClr val="tx2"/>
-                </a:solidFill>
-              </a:defRPr>
-            </a:lvl7pPr>
-            <a:lvl8pPr eaLnBrk="1" hangingPunct="1">
-              <a:defRPr kumimoji="1">
-                <a:solidFill>
-                  <a:schemeClr val="tx2"/>
-                </a:solidFill>
-              </a:defRPr>
-            </a:lvl8pPr>
-            <a:lvl9pPr eaLnBrk="1" hangingPunct="1">
-              <a:defRPr kumimoji="1">
-                <a:solidFill>
-                  <a:schemeClr val="tx2"/>
-                </a:solidFill>
-              </a:defRPr>
-            </a:lvl9pPr>
-          </a:lstStyle>
-          <a:p>
-            <a:pPr marL="571500" indent="-571500">
-              <a:buFont typeface="Arial"/>
-              <a:buChar char="•"/>
-            </a:pPr>
-            <a:r>
-              <a:rPr lang="en-US" altLang="ja-JP" sz="2800" dirty="0" smtClean="0">
-                <a:latin typeface="メイリオ"/>
-                <a:ea typeface="メイリオ"/>
-                <a:cs typeface="メイリオ"/>
-                <a:hlinkClick r:id="rId3"/>
-              </a:rPr>
-              <a:t>https</a:t>
-            </a:r>
-            <a:r>
-              <a:rPr lang="en-US" altLang="ja-JP" sz="2800" dirty="0">
-                <a:latin typeface="メイリオ"/>
-                <a:ea typeface="メイリオ"/>
-                <a:cs typeface="メイリオ"/>
-                <a:hlinkClick r:id="rId3"/>
-              </a:rPr>
-              <a:t>://github.com/TetsuyaNegishi/</a:t>
-            </a:r>
-            <a:r>
-              <a:rPr lang="en-US" altLang="ja-JP" sz="2800" dirty="0" smtClean="0">
-                <a:latin typeface="メイリオ"/>
-                <a:ea typeface="メイリオ"/>
-                <a:cs typeface="メイリオ"/>
-                <a:hlinkClick r:id="rId3"/>
-              </a:rPr>
-              <a:t>Eigen_Seminar_2015_11_04</a:t>
-            </a:r>
-            <a:r>
-              <a:rPr lang="en-US" altLang="ja-JP" sz="2800" dirty="0" smtClean="0">
-                <a:latin typeface="メイリオ"/>
-                <a:ea typeface="メイリオ"/>
-                <a:cs typeface="メイリオ"/>
-              </a:rPr>
-              <a:t/>
-            </a:r>
-            <a:br>
-              <a:rPr lang="en-US" altLang="ja-JP" sz="2800" dirty="0" smtClean="0">
-                <a:latin typeface="メイリオ"/>
-                <a:ea typeface="メイリオ"/>
-                <a:cs typeface="メイリオ"/>
-              </a:rPr>
-            </a:br>
-            <a:r>
-              <a:rPr lang="en-US" altLang="ja-JP" sz="2800" dirty="0" smtClean="0">
-                <a:latin typeface="メイリオ"/>
-                <a:ea typeface="メイリオ"/>
-                <a:cs typeface="メイリオ"/>
-              </a:rPr>
-              <a:t/>
-            </a:r>
-            <a:br>
-              <a:rPr lang="en-US" altLang="ja-JP" sz="2800" dirty="0" smtClean="0">
-                <a:latin typeface="メイリオ"/>
-                <a:ea typeface="メイリオ"/>
-                <a:cs typeface="メイリオ"/>
-              </a:rPr>
-            </a:br>
-            <a:r>
-              <a:rPr lang="ja-JP" altLang="en-US" sz="2800" dirty="0" smtClean="0">
-                <a:latin typeface="メイリオ"/>
-                <a:ea typeface="メイリオ"/>
-                <a:cs typeface="メイリオ"/>
-              </a:rPr>
-              <a:t>スライド有</a:t>
-            </a:r>
-            <a:r>
-              <a:rPr lang="en-US" altLang="ja-JP" sz="2800" dirty="0" smtClean="0">
-                <a:latin typeface="メイリオ"/>
-                <a:ea typeface="メイリオ"/>
-                <a:cs typeface="メイリオ"/>
-              </a:rPr>
-              <a:t/>
-            </a:r>
-            <a:br>
-              <a:rPr lang="en-US" altLang="ja-JP" sz="2800" dirty="0" smtClean="0">
-                <a:latin typeface="メイリオ"/>
-                <a:ea typeface="メイリオ"/>
-                <a:cs typeface="メイリオ"/>
-              </a:rPr>
-            </a:br>
-            <a:r>
-              <a:rPr lang="ja-JP" altLang="en-US" sz="2800" dirty="0" smtClean="0">
-                <a:latin typeface="メイリオ"/>
-                <a:ea typeface="メイリオ"/>
-                <a:cs typeface="メイリオ"/>
-              </a:rPr>
-              <a:t>ソースコードなど上げていくつもり</a:t>
-            </a:r>
-            <a:endParaRPr lang="en-US" altLang="ja-JP" sz="2800" dirty="0" smtClean="0">
-              <a:latin typeface="メイリオ"/>
-              <a:ea typeface="メイリオ"/>
-              <a:cs typeface="メイリオ"/>
-            </a:endParaRPr>
-          </a:p>
-        </p:txBody>
-      </p:sp>
-      <p:sp>
-        <p:nvSpPr>
-          <p:cNvPr id="5" name="スライド番号プレースホルダー 4"/>
-          <p:cNvSpPr>
-            <a:spLocks noGrp="1"/>
-          </p:cNvSpPr>
-          <p:nvPr>
-            <p:ph type="sldNum" sz="quarter" idx="12"/>
-          </p:nvPr>
-        </p:nvSpPr>
-        <p:spPr/>
-        <p:txBody>
-          <a:bodyPr/>
-          <a:lstStyle/>
-          <a:p>
-            <a:fld id="{FE018FE4-9B13-8949-957E-751800858615}" type="slidenum">
-              <a:rPr kumimoji="1" lang="ja-JP" altLang="en-US" smtClean="0"/>
-              <a:t>3</a:t>
-            </a:fld>
-            <a:endParaRPr kumimoji="1" lang="ja-JP" altLang="en-US"/>
-          </a:p>
-        </p:txBody>
-      </p:sp>
-    </p:spTree>
-    <p:extLst>
-      <p:ext uri="{BB962C8B-B14F-4D97-AF65-F5344CB8AC3E}">
-        <p14:creationId xmlns:p14="http://schemas.microsoft.com/office/powerpoint/2010/main" val="2514278657"/>
-      </p:ext>
-    </p:extLst>
-  </p:cSld>
-  <p:clrMapOvr>
-    <a:masterClrMapping/>
-  </p:clrMapOvr>
-  <p:timing>
-    <p:tnLst>
-      <p:par>
-        <p:cTn xmlns:p14="http://schemas.microsoft.com/office/powerpoint/2010/main" id="1" dur="indefinite" restart="never" nodeType="tmRoot"/>
-      </p:par>
-    </p:tnLst>
-  </p:timing>
-</p:sld>
-</file>
-
-<file path=ppt/slides/slide30.xml><?xml version="1.0" encoding="utf-8"?>
+<file path=ppt/slides/slide31.xml><?xml version="1.0" encoding="utf-8"?>
 <p:sld xmlns:a="http://schemas.openxmlformats.org/drawingml/2006/main" xmlns:r="http://schemas.openxmlformats.org/officeDocument/2006/relationships" xmlns:p="http://schemas.openxmlformats.org/presentationml/2006/main">
   <p:cSld>
     <p:spTree>
@@ -19161,11 +19843,6 @@
                         </a:rPr>
                         <a:t>標準</a:t>
                       </a:r>
-                      <a:endParaRPr kumimoji="1" lang="ja-JP" altLang="en-US" sz="3600" dirty="0" smtClean="0">
-                        <a:latin typeface="メイリオ"/>
-                        <a:ea typeface="メイリオ"/>
-                        <a:cs typeface="メイリオ"/>
-                      </a:endParaRPr>
                     </a:p>
                   </a:txBody>
                   <a:tcPr anchor="ctr"/>
@@ -19241,11 +19918,6 @@
                         </a:rPr>
                         <a:t>一般</a:t>
                       </a:r>
-                      <a:endParaRPr kumimoji="1" lang="ja-JP" altLang="en-US" sz="3600" dirty="0" smtClean="0">
-                        <a:latin typeface="メイリオ"/>
-                        <a:ea typeface="メイリオ"/>
-                        <a:cs typeface="メイリオ"/>
-                      </a:endParaRPr>
                     </a:p>
                   </a:txBody>
                   <a:tcPr anchor="ctr"/>
@@ -19305,11 +19977,6 @@
                         </a:rPr>
                         <a:t>その他</a:t>
                       </a:r>
-                      <a:endParaRPr kumimoji="1" lang="ja-JP" altLang="en-US" sz="3600" dirty="0" smtClean="0">
-                        <a:latin typeface="メイリオ"/>
-                        <a:ea typeface="メイリオ"/>
-                        <a:cs typeface="メイリオ"/>
-                      </a:endParaRPr>
                     </a:p>
                   </a:txBody>
                   <a:tcPr anchor="ctr"/>
@@ -19334,15 +20001,7 @@
                           <a:ea typeface="メイリオ"/>
                           <a:cs typeface="メイリオ"/>
                         </a:rPr>
-                        <a:t>,</a:t>
-                      </a:r>
-                      <a:r>
-                        <a:rPr kumimoji="1" lang="en-US" altLang="ja-JP" sz="3600" dirty="0" smtClean="0">
-                          <a:latin typeface="メイリオ"/>
-                          <a:ea typeface="メイリオ"/>
-                          <a:cs typeface="メイリオ"/>
-                        </a:rPr>
-                        <a:t>…</a:t>
+                        <a:t>,…</a:t>
                       </a:r>
                       <a:endParaRPr kumimoji="1" lang="ja-JP" altLang="en-US" sz="3600" dirty="0">
                         <a:latin typeface="メイリオ"/>
@@ -19375,7 +20034,7 @@
           <a:p>
             <a:fld id="{FE018FE4-9B13-8949-957E-751800858615}" type="slidenum">
               <a:rPr kumimoji="1" lang="ja-JP" altLang="en-US" smtClean="0"/>
-              <a:t>30</a:t>
+              <a:t>31</a:t>
             </a:fld>
             <a:endParaRPr kumimoji="1" lang="ja-JP" altLang="en-US"/>
           </a:p>
@@ -19385,6 +20044,544 @@
     <p:extLst>
       <p:ext uri="{BB962C8B-B14F-4D97-AF65-F5344CB8AC3E}">
         <p14:creationId xmlns:p14="http://schemas.microsoft.com/office/powerpoint/2010/main" val="2920566817"/>
+      </p:ext>
+    </p:extLst>
+  </p:cSld>
+  <p:clrMapOvr>
+    <a:masterClrMapping/>
+  </p:clrMapOvr>
+  <p:timing>
+    <p:tnLst>
+      <p:par>
+        <p:cTn xmlns:p14="http://schemas.microsoft.com/office/powerpoint/2010/main" id="1" dur="indefinite" restart="never" nodeType="tmRoot"/>
+      </p:par>
+    </p:tnLst>
+  </p:timing>
+</p:sld>
+</file>
+
+<file path=ppt/slides/slide32.xml><?xml version="1.0" encoding="utf-8"?>
+<p:sld xmlns:a="http://schemas.openxmlformats.org/drawingml/2006/main" xmlns:r="http://schemas.openxmlformats.org/officeDocument/2006/relationships" xmlns:p="http://schemas.openxmlformats.org/presentationml/2006/main">
+  <p:cSld>
+    <p:spTree>
+      <p:nvGrpSpPr>
+        <p:cNvPr id="1" name=""/>
+        <p:cNvGrpSpPr/>
+        <p:nvPr/>
+      </p:nvGrpSpPr>
+      <p:grpSpPr>
+        <a:xfrm>
+          <a:off x="0" y="0"/>
+          <a:ext cx="0" cy="0"/>
+          <a:chOff x="0" y="0"/>
+          <a:chExt cx="0" cy="0"/>
+        </a:xfrm>
+      </p:grpSpPr>
+      <p:sp>
+        <p:nvSpPr>
+          <p:cNvPr id="6" name="タイトル 1"/>
+          <p:cNvSpPr txBox="1">
+            <a:spLocks/>
+          </p:cNvSpPr>
+          <p:nvPr/>
+        </p:nvSpPr>
+        <p:spPr>
+          <a:xfrm>
+            <a:off x="454526" y="93577"/>
+            <a:ext cx="6082632" cy="1310104"/>
+          </a:xfrm>
+          <a:prstGeom prst="rect">
+            <a:avLst/>
+          </a:prstGeom>
+        </p:spPr>
+        <p:txBody>
+          <a:bodyPr vert="horz" lIns="91440" tIns="45720" rIns="91440" bIns="45720" rtlCol="0" anchor="ctr">
+            <a:normAutofit/>
+          </a:bodyPr>
+          <a:lstStyle>
+            <a:lvl1pPr algn="l" defTabSz="914400" rtl="0" eaLnBrk="1" latinLnBrk="0" hangingPunct="1">
+              <a:spcBef>
+                <a:spcPct val="0"/>
+              </a:spcBef>
+              <a:buNone/>
+              <a:defRPr kumimoji="1" sz="4900" kern="1200">
+                <a:solidFill>
+                  <a:schemeClr val="tx1"/>
+                </a:solidFill>
+                <a:effectLst>
+                  <a:outerShdw blurRad="38100" dist="38100" dir="2700000" algn="tl">
+                    <a:srgbClr val="000000">
+                      <a:alpha val="43137"/>
+                    </a:srgbClr>
+                  </a:outerShdw>
+                </a:effectLst>
+                <a:latin typeface="+mj-lt"/>
+                <a:ea typeface="+mj-ea"/>
+                <a:cs typeface="+mj-cs"/>
+              </a:defRPr>
+            </a:lvl1pPr>
+            <a:lvl2pPr eaLnBrk="1" hangingPunct="1">
+              <a:defRPr kumimoji="1">
+                <a:solidFill>
+                  <a:schemeClr val="tx2"/>
+                </a:solidFill>
+              </a:defRPr>
+            </a:lvl2pPr>
+            <a:lvl3pPr eaLnBrk="1" hangingPunct="1">
+              <a:defRPr kumimoji="1">
+                <a:solidFill>
+                  <a:schemeClr val="tx2"/>
+                </a:solidFill>
+              </a:defRPr>
+            </a:lvl3pPr>
+            <a:lvl4pPr eaLnBrk="1" hangingPunct="1">
+              <a:defRPr kumimoji="1">
+                <a:solidFill>
+                  <a:schemeClr val="tx2"/>
+                </a:solidFill>
+              </a:defRPr>
+            </a:lvl4pPr>
+            <a:lvl5pPr eaLnBrk="1" hangingPunct="1">
+              <a:defRPr kumimoji="1">
+                <a:solidFill>
+                  <a:schemeClr val="tx2"/>
+                </a:solidFill>
+              </a:defRPr>
+            </a:lvl5pPr>
+            <a:lvl6pPr eaLnBrk="1" hangingPunct="1">
+              <a:defRPr kumimoji="1">
+                <a:solidFill>
+                  <a:schemeClr val="tx2"/>
+                </a:solidFill>
+              </a:defRPr>
+            </a:lvl6pPr>
+            <a:lvl7pPr eaLnBrk="1" hangingPunct="1">
+              <a:defRPr kumimoji="1">
+                <a:solidFill>
+                  <a:schemeClr val="tx2"/>
+                </a:solidFill>
+              </a:defRPr>
+            </a:lvl7pPr>
+            <a:lvl8pPr eaLnBrk="1" hangingPunct="1">
+              <a:defRPr kumimoji="1">
+                <a:solidFill>
+                  <a:schemeClr val="tx2"/>
+                </a:solidFill>
+              </a:defRPr>
+            </a:lvl8pPr>
+            <a:lvl9pPr eaLnBrk="1" hangingPunct="1">
+              <a:defRPr kumimoji="1">
+                <a:solidFill>
+                  <a:schemeClr val="tx2"/>
+                </a:solidFill>
+              </a:defRPr>
+            </a:lvl9pPr>
+          </a:lstStyle>
+          <a:p>
+            <a:r>
+              <a:rPr lang="ja-JP" altLang="en-US" sz="3600" dirty="0" smtClean="0">
+                <a:latin typeface="メイリオ"/>
+                <a:ea typeface="メイリオ"/>
+                <a:cs typeface="メイリオ"/>
+              </a:rPr>
+              <a:t>参考文献</a:t>
+            </a:r>
+            <a:endParaRPr lang="ja-JP" altLang="en-US" sz="3600" dirty="0">
+              <a:latin typeface="メイリオ"/>
+              <a:ea typeface="メイリオ"/>
+              <a:cs typeface="メイリオ"/>
+            </a:endParaRPr>
+          </a:p>
+        </p:txBody>
+      </p:sp>
+      <p:sp>
+        <p:nvSpPr>
+          <p:cNvPr id="12" name="タイトル 1"/>
+          <p:cNvSpPr txBox="1">
+            <a:spLocks/>
+          </p:cNvSpPr>
+          <p:nvPr/>
+        </p:nvSpPr>
+        <p:spPr>
+          <a:xfrm>
+            <a:off x="280738" y="1310106"/>
+            <a:ext cx="8649368" cy="5026525"/>
+          </a:xfrm>
+          <a:prstGeom prst="rect">
+            <a:avLst/>
+          </a:prstGeom>
+        </p:spPr>
+        <p:txBody>
+          <a:bodyPr vert="horz" lIns="91440" tIns="45720" rIns="91440" bIns="45720" rtlCol="0" anchor="ctr">
+            <a:normAutofit/>
+          </a:bodyPr>
+          <a:lstStyle>
+            <a:lvl1pPr algn="l" defTabSz="914400" rtl="0" eaLnBrk="1" latinLnBrk="0" hangingPunct="1">
+              <a:spcBef>
+                <a:spcPct val="0"/>
+              </a:spcBef>
+              <a:buNone/>
+              <a:defRPr kumimoji="1" sz="4900" kern="1200">
+                <a:solidFill>
+                  <a:schemeClr val="tx1"/>
+                </a:solidFill>
+                <a:effectLst>
+                  <a:outerShdw blurRad="38100" dist="38100" dir="2700000" algn="tl">
+                    <a:srgbClr val="000000">
+                      <a:alpha val="43137"/>
+                    </a:srgbClr>
+                  </a:outerShdw>
+                </a:effectLst>
+                <a:latin typeface="+mj-lt"/>
+                <a:ea typeface="+mj-ea"/>
+                <a:cs typeface="+mj-cs"/>
+              </a:defRPr>
+            </a:lvl1pPr>
+            <a:lvl2pPr eaLnBrk="1" hangingPunct="1">
+              <a:defRPr kumimoji="1">
+                <a:solidFill>
+                  <a:schemeClr val="tx2"/>
+                </a:solidFill>
+              </a:defRPr>
+            </a:lvl2pPr>
+            <a:lvl3pPr eaLnBrk="1" hangingPunct="1">
+              <a:defRPr kumimoji="1">
+                <a:solidFill>
+                  <a:schemeClr val="tx2"/>
+                </a:solidFill>
+              </a:defRPr>
+            </a:lvl3pPr>
+            <a:lvl4pPr eaLnBrk="1" hangingPunct="1">
+              <a:defRPr kumimoji="1">
+                <a:solidFill>
+                  <a:schemeClr val="tx2"/>
+                </a:solidFill>
+              </a:defRPr>
+            </a:lvl4pPr>
+            <a:lvl5pPr eaLnBrk="1" hangingPunct="1">
+              <a:defRPr kumimoji="1">
+                <a:solidFill>
+                  <a:schemeClr val="tx2"/>
+                </a:solidFill>
+              </a:defRPr>
+            </a:lvl5pPr>
+            <a:lvl6pPr eaLnBrk="1" hangingPunct="1">
+              <a:defRPr kumimoji="1">
+                <a:solidFill>
+                  <a:schemeClr val="tx2"/>
+                </a:solidFill>
+              </a:defRPr>
+            </a:lvl6pPr>
+            <a:lvl7pPr eaLnBrk="1" hangingPunct="1">
+              <a:defRPr kumimoji="1">
+                <a:solidFill>
+                  <a:schemeClr val="tx2"/>
+                </a:solidFill>
+              </a:defRPr>
+            </a:lvl7pPr>
+            <a:lvl8pPr eaLnBrk="1" hangingPunct="1">
+              <a:defRPr kumimoji="1">
+                <a:solidFill>
+                  <a:schemeClr val="tx2"/>
+                </a:solidFill>
+              </a:defRPr>
+            </a:lvl8pPr>
+            <a:lvl9pPr eaLnBrk="1" hangingPunct="1">
+              <a:defRPr kumimoji="1">
+                <a:solidFill>
+                  <a:schemeClr val="tx2"/>
+                </a:solidFill>
+              </a:defRPr>
+            </a:lvl9pPr>
+          </a:lstStyle>
+          <a:p>
+            <a:pPr marL="571500" indent="-571500">
+              <a:lnSpc>
+                <a:spcPct val="120000"/>
+              </a:lnSpc>
+              <a:buFont typeface="Arial"/>
+              <a:buChar char="•"/>
+            </a:pPr>
+            <a:r>
+              <a:rPr lang="ja-JP" altLang="en-US" sz="3200" dirty="0" smtClean="0">
+                <a:latin typeface="メイリオ"/>
+                <a:ea typeface="メイリオ"/>
+                <a:cs typeface="メイリオ"/>
+              </a:rPr>
+              <a:t>公式</a:t>
+            </a:r>
+            <a:r>
+              <a:rPr lang="ja-JP" altLang="en-US" sz="3200" dirty="0" smtClean="0">
+                <a:latin typeface="メイリオ"/>
+                <a:ea typeface="メイリオ"/>
+                <a:cs typeface="メイリオ"/>
+              </a:rPr>
+              <a:t>リファレンス</a:t>
+            </a:r>
+            <a:r>
+              <a:rPr lang="en-US" altLang="ja-JP" sz="3200" dirty="0">
+                <a:latin typeface="メイリオ"/>
+                <a:ea typeface="メイリオ"/>
+                <a:cs typeface="メイリオ"/>
+              </a:rPr>
+              <a:t/>
+            </a:r>
+            <a:br>
+              <a:rPr lang="en-US" altLang="ja-JP" sz="3200" dirty="0">
+                <a:latin typeface="メイリオ"/>
+                <a:ea typeface="メイリオ"/>
+                <a:cs typeface="メイリオ"/>
+              </a:rPr>
+            </a:br>
+            <a:r>
+              <a:rPr lang="en-US" altLang="ja-JP" sz="3200" dirty="0">
+                <a:latin typeface="メイリオ"/>
+                <a:ea typeface="メイリオ"/>
+                <a:cs typeface="メイリオ"/>
+                <a:hlinkClick r:id="rId3"/>
+              </a:rPr>
+              <a:t>http://eigen.tuxfamily.org/dox</a:t>
+            </a:r>
+            <a:r>
+              <a:rPr lang="en-US" altLang="ja-JP" sz="3200" dirty="0" smtClean="0">
+                <a:latin typeface="メイリオ"/>
+                <a:ea typeface="メイリオ"/>
+                <a:cs typeface="メイリオ"/>
+                <a:hlinkClick r:id="rId3"/>
+              </a:rPr>
+              <a:t>/</a:t>
+            </a:r>
+            <a:endParaRPr lang="en-US" altLang="ja-JP" sz="3200" dirty="0" smtClean="0">
+              <a:latin typeface="メイリオ"/>
+              <a:ea typeface="メイリオ"/>
+              <a:cs typeface="メイリオ"/>
+            </a:endParaRPr>
+          </a:p>
+          <a:p>
+            <a:pPr marL="571500" indent="-571500">
+              <a:lnSpc>
+                <a:spcPct val="120000"/>
+              </a:lnSpc>
+              <a:buFont typeface="Arial"/>
+              <a:buChar char="•"/>
+            </a:pPr>
+            <a:r>
+              <a:rPr lang="en-US" altLang="ja-JP" sz="3200" dirty="0" smtClean="0">
+                <a:latin typeface="メイリオ"/>
+                <a:ea typeface="メイリオ"/>
+                <a:cs typeface="メイリオ"/>
+              </a:rPr>
+              <a:t>Eigen–C++</a:t>
+            </a:r>
+            <a:r>
+              <a:rPr lang="ja-JP" altLang="en-US" sz="3200" dirty="0" smtClean="0">
+                <a:latin typeface="メイリオ"/>
+                <a:ea typeface="メイリオ"/>
+                <a:cs typeface="メイリオ"/>
+              </a:rPr>
+              <a:t>で使える線形代数ライブラリ</a:t>
+            </a:r>
+            <a:r>
+              <a:rPr lang="en-US" altLang="ja-JP" sz="3200" dirty="0">
+                <a:latin typeface="メイリオ"/>
+                <a:ea typeface="メイリオ"/>
+                <a:cs typeface="メイリオ"/>
+              </a:rPr>
+              <a:t/>
+            </a:r>
+            <a:br>
+              <a:rPr lang="en-US" altLang="ja-JP" sz="3200" dirty="0">
+                <a:latin typeface="メイリオ"/>
+                <a:ea typeface="メイリオ"/>
+                <a:cs typeface="メイリオ"/>
+              </a:rPr>
+            </a:br>
+            <a:r>
+              <a:rPr lang="en-US" altLang="ja-JP" sz="3200" dirty="0">
+                <a:latin typeface="メイリオ"/>
+                <a:ea typeface="メイリオ"/>
+                <a:cs typeface="メイリオ"/>
+                <a:hlinkClick r:id="rId4"/>
+              </a:rPr>
+              <a:t>http://blog.livedoor.jp/tek_nishi/archives/8623876.</a:t>
+            </a:r>
+            <a:r>
+              <a:rPr lang="en-US" altLang="ja-JP" sz="3200" dirty="0" smtClean="0">
+                <a:latin typeface="メイリオ"/>
+                <a:ea typeface="メイリオ"/>
+                <a:cs typeface="メイリオ"/>
+                <a:hlinkClick r:id="rId4"/>
+              </a:rPr>
+              <a:t>html</a:t>
+            </a:r>
+            <a:endParaRPr lang="en-US" altLang="ja-JP" sz="3200" dirty="0" smtClean="0">
+              <a:latin typeface="メイリオ"/>
+              <a:ea typeface="メイリオ"/>
+              <a:cs typeface="メイリオ"/>
+            </a:endParaRPr>
+          </a:p>
+          <a:p>
+            <a:pPr marL="571500" indent="-571500">
+              <a:lnSpc>
+                <a:spcPct val="120000"/>
+              </a:lnSpc>
+              <a:buFont typeface="Arial"/>
+              <a:buChar char="•"/>
+            </a:pPr>
+            <a:r>
+              <a:rPr lang="ja-JP" altLang="en-US" sz="3200" dirty="0" smtClean="0">
+                <a:latin typeface="メイリオ"/>
+                <a:ea typeface="メイリオ"/>
+                <a:cs typeface="メイリオ"/>
+              </a:rPr>
+              <a:t>行列ライブラリ</a:t>
+            </a:r>
+            <a:r>
+              <a:rPr lang="en-US" altLang="ja-JP" sz="3200" dirty="0" smtClean="0">
+                <a:latin typeface="メイリオ"/>
+                <a:ea typeface="メイリオ"/>
+                <a:cs typeface="メイリオ"/>
+              </a:rPr>
+              <a:t>Eigen</a:t>
+            </a:r>
+            <a:r>
+              <a:rPr lang="ja-JP" altLang="en-US" sz="3200" dirty="0" smtClean="0">
+                <a:latin typeface="メイリオ"/>
+                <a:ea typeface="メイリオ"/>
+                <a:cs typeface="メイリオ"/>
+              </a:rPr>
+              <a:t>メモ</a:t>
+            </a:r>
+            <a:r>
+              <a:rPr lang="en-US" altLang="ja-JP" sz="3200" dirty="0">
+                <a:latin typeface="メイリオ"/>
+                <a:ea typeface="メイリオ"/>
+                <a:cs typeface="メイリオ"/>
+              </a:rPr>
+              <a:t/>
+            </a:r>
+            <a:br>
+              <a:rPr lang="en-US" altLang="ja-JP" sz="3200" dirty="0">
+                <a:latin typeface="メイリオ"/>
+                <a:ea typeface="メイリオ"/>
+                <a:cs typeface="メイリオ"/>
+              </a:rPr>
+            </a:br>
+            <a:r>
+              <a:rPr lang="en-US" altLang="ja-JP" sz="3200" dirty="0">
+                <a:latin typeface="メイリオ"/>
+                <a:ea typeface="メイリオ"/>
+                <a:cs typeface="メイリオ"/>
+                <a:hlinkClick r:id="rId5"/>
+              </a:rPr>
+              <a:t>http://</a:t>
+            </a:r>
+            <a:r>
+              <a:rPr lang="en-US" altLang="ja-JP" sz="3200" dirty="0" err="1">
+                <a:latin typeface="メイリオ"/>
+                <a:ea typeface="メイリオ"/>
+                <a:cs typeface="メイリオ"/>
+                <a:hlinkClick r:id="rId5"/>
+              </a:rPr>
+              <a:t>mikaka.org</a:t>
+            </a:r>
+            <a:r>
+              <a:rPr lang="en-US" altLang="ja-JP" sz="3200" dirty="0">
+                <a:latin typeface="メイリオ"/>
+                <a:ea typeface="メイリオ"/>
+                <a:cs typeface="メイリオ"/>
+                <a:hlinkClick r:id="rId5"/>
+              </a:rPr>
+              <a:t>/~kana/dl/</a:t>
+            </a:r>
+            <a:r>
+              <a:rPr lang="en-US" altLang="ja-JP" sz="3200" dirty="0" err="1">
+                <a:latin typeface="メイリオ"/>
+                <a:ea typeface="メイリオ"/>
+                <a:cs typeface="メイリオ"/>
+                <a:hlinkClick r:id="rId5"/>
+              </a:rPr>
+              <a:t>pdf</a:t>
+            </a:r>
+            <a:r>
+              <a:rPr lang="en-US" altLang="ja-JP" sz="3200" dirty="0">
+                <a:latin typeface="メイリオ"/>
+                <a:ea typeface="メイリオ"/>
+                <a:cs typeface="メイリオ"/>
+                <a:hlinkClick r:id="rId5"/>
+              </a:rPr>
+              <a:t>/</a:t>
+            </a:r>
+            <a:r>
+              <a:rPr lang="en-US" altLang="ja-JP" sz="3200" dirty="0" err="1">
+                <a:latin typeface="メイリオ"/>
+                <a:ea typeface="メイリオ"/>
+                <a:cs typeface="メイリオ"/>
+                <a:hlinkClick r:id="rId5"/>
+              </a:rPr>
+              <a:t>pdf-eigennote.pdf</a:t>
+            </a:r>
+            <a:endParaRPr lang="en-US" altLang="ja-JP" sz="3200" dirty="0">
+              <a:latin typeface="メイリオ"/>
+              <a:ea typeface="メイリオ"/>
+              <a:cs typeface="メイリオ"/>
+            </a:endParaRPr>
+          </a:p>
+        </p:txBody>
+      </p:sp>
+      <p:sp>
+        <p:nvSpPr>
+          <p:cNvPr id="37" name="スライド番号プレースホルダー 36"/>
+          <p:cNvSpPr>
+            <a:spLocks noGrp="1"/>
+          </p:cNvSpPr>
+          <p:nvPr>
+            <p:ph type="sldNum" sz="quarter" idx="12"/>
+          </p:nvPr>
+        </p:nvSpPr>
+        <p:spPr/>
+        <p:txBody>
+          <a:bodyPr/>
+          <a:lstStyle/>
+          <a:p>
+            <a:fld id="{FE018FE4-9B13-8949-957E-751800858615}" type="slidenum">
+              <a:rPr kumimoji="1" lang="ja-JP" altLang="en-US" smtClean="0"/>
+              <a:t>32</a:t>
+            </a:fld>
+            <a:endParaRPr kumimoji="1" lang="ja-JP" altLang="en-US"/>
+          </a:p>
+        </p:txBody>
+      </p:sp>
+      <p:sp>
+        <p:nvSpPr>
+          <p:cNvPr id="2" name="テキスト ボックス 1"/>
+          <p:cNvSpPr txBox="1"/>
+          <p:nvPr/>
+        </p:nvSpPr>
+        <p:spPr>
+          <a:xfrm>
+            <a:off x="6804526" y="5868737"/>
+            <a:ext cx="184666" cy="369332"/>
+          </a:xfrm>
+          <a:prstGeom prst="rect">
+            <a:avLst/>
+          </a:prstGeom>
+          <a:noFill/>
+        </p:spPr>
+        <p:txBody>
+          <a:bodyPr wrap="none" rtlCol="0">
+            <a:spAutoFit/>
+          </a:bodyPr>
+          <a:lstStyle/>
+          <a:p>
+            <a:endParaRPr kumimoji="1" lang="ja-JP" altLang="en-US" dirty="0"/>
+          </a:p>
+        </p:txBody>
+      </p:sp>
+    </p:spTree>
+    <p:extLst>
+      <p:ext uri="{BB962C8B-B14F-4D97-AF65-F5344CB8AC3E}">
+        <p14:creationId xmlns:p14="http://schemas.microsoft.com/office/powerpoint/2010/main" val="847586961"/>
       </p:ext>
     </p:extLst>
   </p:cSld>
@@ -19913,21 +21110,7 @@
                 <a:ea typeface="メイリオ"/>
                 <a:cs typeface="メイリオ"/>
               </a:rPr>
-              <a:t>C++</a:t>
-            </a:r>
-          </a:p>
-          <a:p>
-            <a:pPr marL="571500" indent="-571500">
-              <a:buFont typeface="Arial"/>
-              <a:buChar char="•"/>
-            </a:pPr>
-            <a:r>
-              <a:rPr lang="ja-JP" altLang="en-US" sz="3600" dirty="0">
-                <a:latin typeface="メイリオ"/>
-                <a:ea typeface="メイリオ"/>
-                <a:cs typeface="メイリオ"/>
-              </a:rPr>
-              <a:t>シンプルな</a:t>
+              <a:t>C+</a:t>
             </a:r>
             <a:r>
               <a:rPr lang="en-US" altLang="ja-JP" sz="3600" dirty="0" smtClean="0">
@@ -19935,26 +21118,7 @@
                 <a:ea typeface="メイリオ"/>
                 <a:cs typeface="メイリオ"/>
               </a:rPr>
-              <a:t>API</a:t>
-            </a:r>
-            <a:endParaRPr lang="en-US" altLang="ja-JP" sz="3600" dirty="0" smtClean="0">
-              <a:latin typeface="メイリオ"/>
-              <a:ea typeface="メイリオ"/>
-              <a:cs typeface="メイリオ"/>
-            </a:endParaRPr>
-          </a:p>
-          <a:p>
-            <a:pPr marL="571500" indent="-571500">
-              <a:buFont typeface="Arial"/>
-              <a:buChar char="•"/>
-            </a:pPr>
-            <a:r>
-              <a:rPr lang="ja-JP" altLang="en-US" sz="3600" dirty="0" smtClean="0">
-                <a:latin typeface="メイリオ"/>
-                <a:ea typeface="メイリオ"/>
-                <a:cs typeface="メイリオ"/>
-              </a:rPr>
-              <a:t>多数のソルバ</a:t>
+              <a:t>+</a:t>
             </a:r>
             <a:endParaRPr lang="en-US" altLang="ja-JP" sz="3600" dirty="0" smtClean="0">
               <a:latin typeface="メイリオ"/>
@@ -20132,7 +21296,7 @@
                 <a:ea typeface="メイリオ"/>
                 <a:cs typeface="メイリオ"/>
               </a:rPr>
-              <a:t>特徴</a:t>
+              <a:t>概観</a:t>
             </a:r>
             <a:endParaRPr lang="ja-JP" altLang="en-US" sz="11000" dirty="0">
               <a:latin typeface="メイリオ"/>
@@ -21104,21 +22268,8 @@
                           <a:ea typeface="メイリオ"/>
                           <a:cs typeface="メイリオ"/>
                         </a:rPr>
-                        <a:t>行列</a:t>
+                        <a:t>行列成分</a:t>
                       </a:r>
-                      <a:r>
-                        <a:rPr kumimoji="1" lang="ja-JP" altLang="en-US" sz="3600" dirty="0" smtClean="0">
-                          <a:latin typeface="メイリオ"/>
-                          <a:ea typeface="メイリオ"/>
-                          <a:cs typeface="メイリオ"/>
-                        </a:rPr>
-                        <a:t>成分</a:t>
-                      </a:r>
-                      <a:endParaRPr kumimoji="1" lang="ja-JP" altLang="en-US" sz="3600" dirty="0" smtClean="0">
-                        <a:latin typeface="メイリオ"/>
-                        <a:ea typeface="メイリオ"/>
-                        <a:cs typeface="メイリオ"/>
-                      </a:endParaRPr>
                     </a:p>
                   </a:txBody>
                   <a:tcPr anchor="ctr"/>
@@ -21178,11 +22329,6 @@
                         </a:rPr>
                         <a:t>メモリ確保</a:t>
                       </a:r>
-                      <a:endParaRPr kumimoji="1" lang="ja-JP" altLang="en-US" sz="3600" dirty="0" smtClean="0">
-                        <a:latin typeface="メイリオ"/>
-                        <a:ea typeface="メイリオ"/>
-                        <a:cs typeface="メイリオ"/>
-                      </a:endParaRPr>
                     </a:p>
                   </a:txBody>
                   <a:tcPr anchor="ctr"/>
@@ -21242,11 +22388,6 @@
                         </a:rPr>
                         <a:t>線形代数</a:t>
                       </a:r>
-                      <a:endParaRPr kumimoji="1" lang="ja-JP" altLang="en-US" sz="3600" dirty="0" smtClean="0">
-                        <a:latin typeface="メイリオ"/>
-                        <a:ea typeface="メイリオ"/>
-                        <a:cs typeface="メイリオ"/>
-                      </a:endParaRPr>
                     </a:p>
                   </a:txBody>
                   <a:tcPr anchor="ctr"/>
@@ -21361,11 +22502,6 @@
                         </a:rPr>
                         <a:t>幾何学</a:t>
                       </a:r>
-                      <a:endParaRPr kumimoji="1" lang="ja-JP" altLang="en-US" sz="3600" dirty="0" smtClean="0">
-                        <a:latin typeface="メイリオ"/>
-                        <a:ea typeface="メイリオ"/>
-                        <a:cs typeface="メイリオ"/>
-                      </a:endParaRPr>
                     </a:p>
                   </a:txBody>
                   <a:tcPr anchor="ctr"/>
@@ -21456,11 +22592,6 @@
                         </a:rPr>
                         <a:t>その他</a:t>
                       </a:r>
-                      <a:endParaRPr kumimoji="1" lang="ja-JP" altLang="en-US" sz="3600" dirty="0" smtClean="0">
-                        <a:latin typeface="メイリオ"/>
-                        <a:ea typeface="メイリオ"/>
-                        <a:cs typeface="メイリオ"/>
-                      </a:endParaRPr>
                     </a:p>
                   </a:txBody>
                   <a:tcPr anchor="ctr"/>
